--- a/ppt/lesson03.pptx
+++ b/ppt/lesson03.pptx
@@ -114,6 +114,10 @@
 </p:presentation>
 </file>
 
+<file path=ppt/revisionInfo.xml><?xml version="1.0" encoding="utf-8"?>
+<p1510:revInfo xmlns:a="http://schemas.openxmlformats.org/drawingml/2006/main" xmlns:r="http://schemas.openxmlformats.org/officeDocument/2006/relationships" xmlns:p1510="http://schemas.microsoft.com/office/powerpoint/2015/10/main"/>
+</file>
+
 <file path=ppt/slideLayouts/slideLayout1.xml><?xml version="1.0" encoding="utf-8"?>
 <p:sldLayout xmlns:a="http://schemas.openxmlformats.org/drawingml/2006/main" xmlns:r="http://schemas.openxmlformats.org/officeDocument/2006/relationships" xmlns:p="http://schemas.openxmlformats.org/presentationml/2006/main" type="title" preserve="1">
   <p:cSld name="Title Slide">
@@ -245,7 +249,7 @@
           <a:p>
             <a:fld id="{E1BA411A-197C-4FAE-AAA1-E05F9BAD9EAC}" type="datetimeFigureOut">
               <a:rPr lang="en-US" smtClean="0"/>
-              <a:t>11/27/2017</a:t>
+              <a:t>12/13/2017</a:t>
             </a:fld>
             <a:endParaRPr lang="en-US"/>
           </a:p>
@@ -415,7 +419,7 @@
           <a:p>
             <a:fld id="{E1BA411A-197C-4FAE-AAA1-E05F9BAD9EAC}" type="datetimeFigureOut">
               <a:rPr lang="en-US" smtClean="0"/>
-              <a:t>11/27/2017</a:t>
+              <a:t>12/13/2017</a:t>
             </a:fld>
             <a:endParaRPr lang="en-US"/>
           </a:p>
@@ -595,7 +599,7 @@
           <a:p>
             <a:fld id="{E1BA411A-197C-4FAE-AAA1-E05F9BAD9EAC}" type="datetimeFigureOut">
               <a:rPr lang="en-US" smtClean="0"/>
-              <a:t>11/27/2017</a:t>
+              <a:t>12/13/2017</a:t>
             </a:fld>
             <a:endParaRPr lang="en-US"/>
           </a:p>
@@ -765,7 +769,7 @@
           <a:p>
             <a:fld id="{E1BA411A-197C-4FAE-AAA1-E05F9BAD9EAC}" type="datetimeFigureOut">
               <a:rPr lang="en-US" smtClean="0"/>
-              <a:t>11/27/2017</a:t>
+              <a:t>12/13/2017</a:t>
             </a:fld>
             <a:endParaRPr lang="en-US"/>
           </a:p>
@@ -1009,7 +1013,7 @@
           <a:p>
             <a:fld id="{E1BA411A-197C-4FAE-AAA1-E05F9BAD9EAC}" type="datetimeFigureOut">
               <a:rPr lang="en-US" smtClean="0"/>
-              <a:t>11/27/2017</a:t>
+              <a:t>12/13/2017</a:t>
             </a:fld>
             <a:endParaRPr lang="en-US"/>
           </a:p>
@@ -1241,7 +1245,7 @@
           <a:p>
             <a:fld id="{E1BA411A-197C-4FAE-AAA1-E05F9BAD9EAC}" type="datetimeFigureOut">
               <a:rPr lang="en-US" smtClean="0"/>
-              <a:t>11/27/2017</a:t>
+              <a:t>12/13/2017</a:t>
             </a:fld>
             <a:endParaRPr lang="en-US"/>
           </a:p>
@@ -1608,7 +1612,7 @@
           <a:p>
             <a:fld id="{E1BA411A-197C-4FAE-AAA1-E05F9BAD9EAC}" type="datetimeFigureOut">
               <a:rPr lang="en-US" smtClean="0"/>
-              <a:t>11/27/2017</a:t>
+              <a:t>12/13/2017</a:t>
             </a:fld>
             <a:endParaRPr lang="en-US"/>
           </a:p>
@@ -1726,7 +1730,7 @@
           <a:p>
             <a:fld id="{E1BA411A-197C-4FAE-AAA1-E05F9BAD9EAC}" type="datetimeFigureOut">
               <a:rPr lang="en-US" smtClean="0"/>
-              <a:t>11/27/2017</a:t>
+              <a:t>12/13/2017</a:t>
             </a:fld>
             <a:endParaRPr lang="en-US"/>
           </a:p>
@@ -1821,7 +1825,7 @@
           <a:p>
             <a:fld id="{E1BA411A-197C-4FAE-AAA1-E05F9BAD9EAC}" type="datetimeFigureOut">
               <a:rPr lang="en-US" smtClean="0"/>
-              <a:t>11/27/2017</a:t>
+              <a:t>12/13/2017</a:t>
             </a:fld>
             <a:endParaRPr lang="en-US"/>
           </a:p>
@@ -2098,7 +2102,7 @@
           <a:p>
             <a:fld id="{E1BA411A-197C-4FAE-AAA1-E05F9BAD9EAC}" type="datetimeFigureOut">
               <a:rPr lang="en-US" smtClean="0"/>
-              <a:t>11/27/2017</a:t>
+              <a:t>12/13/2017</a:t>
             </a:fld>
             <a:endParaRPr lang="en-US"/>
           </a:p>
@@ -2355,7 +2359,7 @@
           <a:p>
             <a:fld id="{E1BA411A-197C-4FAE-AAA1-E05F9BAD9EAC}" type="datetimeFigureOut">
               <a:rPr lang="en-US" smtClean="0"/>
-              <a:t>11/27/2017</a:t>
+              <a:t>12/13/2017</a:t>
             </a:fld>
             <a:endParaRPr lang="en-US"/>
           </a:p>
@@ -2568,7 +2572,7 @@
           <a:p>
             <a:fld id="{E1BA411A-197C-4FAE-AAA1-E05F9BAD9EAC}" type="datetimeFigureOut">
               <a:rPr lang="en-US" smtClean="0"/>
-              <a:t>11/27/2017</a:t>
+              <a:t>12/13/2017</a:t>
             </a:fld>
             <a:endParaRPr lang="en-US"/>
           </a:p>
@@ -2989,32 +2993,49 @@
             <p:ph type="ctrTitle"/>
           </p:nvPr>
         </p:nvSpPr>
-        <p:spPr/>
+        <p:spPr>
+          <a:xfrm>
+            <a:off x="685800" y="72879"/>
+            <a:ext cx="7772400" cy="2387600"/>
+          </a:xfrm>
+        </p:spPr>
         <p:txBody>
           <a:bodyPr/>
           <a:lstStyle/>
           <a:p>
             <a:r>
-              <a:rPr kumimoji="1" lang="en-US" altLang="ja-JP" dirty="0"/>
+              <a:rPr kumimoji="1" lang="en-US" altLang="ja-JP" dirty="0">
+                <a:latin typeface="Futura" panose="020B2102020204020303" pitchFamily="34" charset="0"/>
+              </a:rPr>
               <a:t>Program</a:t>
             </a:r>
             <a:r>
-              <a:rPr kumimoji="1" lang="ja-JP" altLang="en-US" dirty="0"/>
+              <a:rPr kumimoji="1" lang="ja-JP" altLang="en-US" dirty="0">
+                <a:latin typeface="Futura" panose="020B2102020204020303" pitchFamily="34" charset="0"/>
+              </a:rPr>
               <a:t> </a:t>
             </a:r>
             <a:r>
-              <a:rPr kumimoji="1" lang="en-US" altLang="ja-JP" dirty="0"/>
+              <a:rPr kumimoji="1" lang="en-US" altLang="ja-JP" dirty="0">
+                <a:latin typeface="Futura" panose="020B2102020204020303" pitchFamily="34" charset="0"/>
+              </a:rPr>
               <a:t>Language</a:t>
             </a:r>
             <a:r>
-              <a:rPr kumimoji="1" lang="ja-JP" altLang="en-US" dirty="0"/>
+              <a:rPr kumimoji="1" lang="ja-JP" altLang="en-US" dirty="0">
+                <a:latin typeface="Futura" panose="020B2102020204020303" pitchFamily="34" charset="0"/>
+              </a:rPr>
               <a:t> </a:t>
             </a:r>
             <a:r>
-              <a:rPr kumimoji="1" lang="en-US" altLang="ja-JP" dirty="0"/>
+              <a:rPr kumimoji="1" lang="en-US" altLang="ja-JP" dirty="0">
+                <a:latin typeface="Futura" panose="020B2102020204020303" pitchFamily="34" charset="0"/>
+              </a:rPr>
               <a:t>PHP</a:t>
             </a:r>
-            <a:endParaRPr lang="en-US" dirty="0"/>
+            <a:endParaRPr lang="en-US" dirty="0">
+              <a:latin typeface="Futura" panose="020B2102020204020303" pitchFamily="34" charset="0"/>
+            </a:endParaRPr>
           </a:p>
         </p:txBody>
       </p:sp>
@@ -3034,12 +3055,84 @@
             <p:ph type="subTitle" idx="1"/>
           </p:nvPr>
         </p:nvSpPr>
-        <p:spPr/>
+        <p:spPr>
+          <a:xfrm>
+            <a:off x="496957" y="2552554"/>
+            <a:ext cx="8150086" cy="1655762"/>
+          </a:xfrm>
+        </p:spPr>
         <p:txBody>
           <a:bodyPr/>
           <a:lstStyle/>
           <a:p>
-            <a:endParaRPr lang="en-US"/>
+            <a:r>
+              <a:rPr lang="en-US" altLang="ja-JP" sz="3600" dirty="0">
+                <a:latin typeface="Futura" panose="020B2102020204020303" pitchFamily="34" charset="0"/>
+                <a:ea typeface="Tahoma" panose="020B0604030504040204" pitchFamily="34" charset="0"/>
+                <a:cs typeface="Tahoma" panose="020B0604030504040204" pitchFamily="34" charset="0"/>
+              </a:rPr>
+              <a:t>This subject is </a:t>
+            </a:r>
+            <a:br>
+              <a:rPr lang="en-US" altLang="ja-JP" sz="3600" dirty="0">
+                <a:latin typeface="Futura" panose="020B2102020204020303" pitchFamily="34" charset="0"/>
+                <a:ea typeface="Tahoma" panose="020B0604030504040204" pitchFamily="34" charset="0"/>
+                <a:cs typeface="Tahoma" panose="020B0604030504040204" pitchFamily="34" charset="0"/>
+              </a:rPr>
+            </a:br>
+            <a:r>
+              <a:rPr lang="en-US" altLang="ja-JP" sz="3600" dirty="0">
+                <a:latin typeface="Futura" panose="020B2102020204020303" pitchFamily="34" charset="0"/>
+                <a:ea typeface="Tahoma" panose="020B0604030504040204" pitchFamily="34" charset="0"/>
+                <a:cs typeface="Tahoma" panose="020B0604030504040204" pitchFamily="34" charset="0"/>
+              </a:rPr>
+              <a:t>"form, input, </a:t>
+            </a:r>
+            <a:r>
+              <a:rPr lang="en-US" altLang="ja-JP" sz="3600" dirty="0" err="1">
+                <a:latin typeface="Futura" panose="020B2102020204020303" pitchFamily="34" charset="0"/>
+                <a:ea typeface="Tahoma" panose="020B0604030504040204" pitchFamily="34" charset="0"/>
+                <a:cs typeface="Tahoma" panose="020B0604030504040204" pitchFamily="34" charset="0"/>
+              </a:rPr>
+              <a:t>textarea</a:t>
+            </a:r>
+            <a:r>
+              <a:rPr lang="en-US" altLang="ja-JP" sz="3600" dirty="0">
+                <a:latin typeface="Futura" panose="020B2102020204020303" pitchFamily="34" charset="0"/>
+                <a:ea typeface="Tahoma" panose="020B0604030504040204" pitchFamily="34" charset="0"/>
+                <a:cs typeface="Tahoma" panose="020B0604030504040204" pitchFamily="34" charset="0"/>
+              </a:rPr>
+              <a:t> and so on"</a:t>
+            </a:r>
+            <a:endParaRPr lang="en-US" altLang="ja-JP" sz="1700" dirty="0">
+              <a:latin typeface="Futura" panose="020B2102020204020303" pitchFamily="34" charset="0"/>
+              <a:ea typeface="Tahoma" panose="020B0604030504040204" pitchFamily="34" charset="0"/>
+              <a:cs typeface="Tahoma" panose="020B0604030504040204" pitchFamily="34" charset="0"/>
+            </a:endParaRPr>
+          </a:p>
+          <a:p>
+            <a:r>
+              <a:rPr lang="en-US" altLang="ja-JP" sz="1700" dirty="0">
+                <a:latin typeface="Futura" panose="020B2102020204020303" pitchFamily="34" charset="0"/>
+                <a:ea typeface="Tahoma" panose="020B0604030504040204" pitchFamily="34" charset="0"/>
+                <a:cs typeface="Tahoma" panose="020B0604030504040204" pitchFamily="34" charset="0"/>
+              </a:rPr>
+              <a:t>download document and program from follow URL.</a:t>
+            </a:r>
+          </a:p>
+          <a:p>
+            <a:pPr marL="457189" lvl="1"/>
+            <a:r>
+              <a:rPr lang="en-US" altLang="ja-JP" sz="3200" dirty="0">
+                <a:solidFill>
+                  <a:srgbClr val="FF0000"/>
+                </a:solidFill>
+                <a:latin typeface="Futura" panose="020B2102020204020303" pitchFamily="34" charset="0"/>
+                <a:ea typeface="Tahoma" panose="020B0604030504040204" pitchFamily="34" charset="0"/>
+                <a:cs typeface="Tahoma" panose="020B0604030504040204" pitchFamily="34" charset="0"/>
+              </a:rPr>
+              <a:t>https://goo.gl/U1z3sL</a:t>
+            </a:r>
           </a:p>
         </p:txBody>
       </p:sp>
@@ -3229,7 +3322,7 @@
                 <a:ea typeface="Tahoma" panose="020B0604030504040204" pitchFamily="34" charset="0"/>
                 <a:cs typeface="Tahoma" panose="020B0604030504040204" pitchFamily="34" charset="0"/>
               </a:rPr>
-              <a:t>L8-12: form tag</a:t>
+              <a:t>L8-30: form tag</a:t>
             </a:r>
             <a:endParaRPr lang="en-US" sz="1300" dirty="0">
               <a:solidFill>
@@ -3248,7 +3341,7 @@
                 <a:ea typeface="Tahoma" panose="020B0604030504040204" pitchFamily="34" charset="0"/>
                 <a:cs typeface="Tahoma" panose="020B0604030504040204" pitchFamily="34" charset="0"/>
               </a:rPr>
-              <a:t>L14-15: HTML footer</a:t>
+              <a:t>L32-33: HTML footer</a:t>
             </a:r>
           </a:p>
           <a:p>
@@ -3256,72 +3349,6 @@
           </a:p>
         </p:txBody>
       </p:sp>
-      <mc:AlternateContent xmlns:mc="http://schemas.openxmlformats.org/markup-compatibility/2006">
-        <mc:Choice xmlns:we="http://schemas.microsoft.com/office/webextensions/webextension/2010/11" xmlns:pca="http://schemas.microsoft.com/office/powerpoint/2013/contentapp" Requires="we pca">
-          <p:graphicFrame>
-            <p:nvGraphicFramePr>
-              <p:cNvPr id="7" name="Add-in 6" title="Code Presenter Pro">
-                <a:extLst>
-                  <a:ext uri="{FF2B5EF4-FFF2-40B4-BE49-F238E27FC236}">
-                    <a16:creationId xmlns:a16="http://schemas.microsoft.com/office/drawing/2014/main" id="{08B2A02E-54C7-48BA-8B6F-AF9CCA1E0E47}"/>
-                  </a:ext>
-                </a:extLst>
-              </p:cNvPr>
-              <p:cNvGraphicFramePr>
-                <a:graphicFrameLocks noGrp="1"/>
-              </p:cNvGraphicFramePr>
-              <p:nvPr>
-                <p:extLst>
-                  <p:ext uri="{D42A27DB-BD31-4B8C-83A1-F6EECF244321}">
-                    <p14:modId xmlns:p14="http://schemas.microsoft.com/office/powerpoint/2010/main" val="4256303394"/>
-                  </p:ext>
-                </p:extLst>
-              </p:nvPr>
-            </p:nvGraphicFramePr>
-            <p:xfrm>
-              <a:off x="4042429" y="394462"/>
-              <a:ext cx="4781893" cy="5715000"/>
-            </p:xfrm>
-            <a:graphic>
-              <a:graphicData uri="http://schemas.microsoft.com/office/webextensions/webextension/2010/11">
-                <we:webextensionref xmlns:we="http://schemas.microsoft.com/office/webextensions/webextension/2010/11" xmlns:r="http://schemas.openxmlformats.org/officeDocument/2006/relationships" r:id="rId2"/>
-              </a:graphicData>
-            </a:graphic>
-          </p:graphicFrame>
-        </mc:Choice>
-        <mc:Fallback>
-          <p:pic>
-            <p:nvPicPr>
-              <p:cNvPr id="7" name="Add-in 6" title="Code Presenter Pro">
-                <a:extLst>
-                  <a:ext uri="{FF2B5EF4-FFF2-40B4-BE49-F238E27FC236}">
-                    <a16:creationId xmlns:a16="http://schemas.microsoft.com/office/drawing/2014/main" id="{08B2A02E-54C7-48BA-8B6F-AF9CCA1E0E47}"/>
-                  </a:ext>
-                </a:extLst>
-              </p:cNvPr>
-              <p:cNvPicPr>
-                <a:picLocks noGrp="1" noRot="1" noChangeAspect="1" noMove="1" noResize="1" noEditPoints="1" noAdjustHandles="1" noChangeArrowheads="1" noChangeShapeType="1"/>
-              </p:cNvPicPr>
-              <p:nvPr/>
-            </p:nvPicPr>
-            <p:blipFill>
-              <a:blip r:embed="rId3"/>
-              <a:stretch>
-                <a:fillRect/>
-              </a:stretch>
-            </p:blipFill>
-            <p:spPr>
-              <a:xfrm>
-                <a:off x="4042429" y="394462"/>
-                <a:ext cx="4781893" cy="5715000"/>
-              </a:xfrm>
-              <a:prstGeom prst="rect">
-                <a:avLst/>
-              </a:prstGeom>
-            </p:spPr>
-          </p:pic>
-        </mc:Fallback>
-      </mc:AlternateContent>
       <p:sp>
         <p:nvSpPr>
           <p:cNvPr id="6" name="Rectangle 5">
@@ -3378,7 +3405,7 @@
         </p:nvSpPr>
         <p:spPr>
           <a:xfrm>
-            <a:off x="1629861" y="4583315"/>
+            <a:off x="1629858" y="4072405"/>
             <a:ext cx="848309" cy="369332"/>
           </a:xfrm>
           <a:prstGeom prst="rect">
@@ -3465,13 +3492,13 @@
           <p:nvPr/>
         </p:nvPicPr>
         <p:blipFill>
-          <a:blip r:embed="rId4">
+          <a:blip r:embed="rId2">
             <a:extLst>
               <a:ext uri="{28A0092B-C50C-407E-A947-70E740481C1C}">
                 <a14:useLocalDpi xmlns:a14="http://schemas.microsoft.com/office/drawing/2010/main" val="0"/>
               </a:ext>
               <a:ext uri="{96DAC541-7B7A-43D3-8B79-37D633B846F1}">
-                <asvg:svgBlip xmlns:asvg="http://schemas.microsoft.com/office/drawing/2016/SVG/main" r:embed="rId5"/>
+                <asvg:svgBlip xmlns:asvg="http://schemas.microsoft.com/office/drawing/2016/SVG/main" r:embed="rId3"/>
               </a:ext>
             </a:extLst>
           </a:blip>
@@ -3505,8 +3532,8 @@
         </p:nvSpPr>
         <p:spPr>
           <a:xfrm>
-            <a:off x="314369" y="944302"/>
-            <a:ext cx="3479292" cy="3785419"/>
+            <a:off x="-49695" y="944302"/>
+            <a:ext cx="4246295" cy="3785419"/>
           </a:xfrm>
           <a:prstGeom prst="rect">
             <a:avLst/>
@@ -3686,7 +3713,7 @@
               <a:buAutoNum type="arabicPeriod"/>
             </a:pPr>
             <a:r>
-              <a:rPr lang="en-US" altLang="ja-JP" sz="1700" dirty="0">
+              <a:rPr lang="en-US" altLang="ja-JP" sz="1400" dirty="0">
                 <a:latin typeface="Tahoma" panose="020B0604030504040204" pitchFamily="34" charset="0"/>
                 <a:ea typeface="Tahoma" panose="020B0604030504040204" pitchFamily="34" charset="0"/>
                 <a:cs typeface="Tahoma" panose="020B0604030504040204" pitchFamily="34" charset="0"/>
@@ -3700,22 +3727,36 @@
               <a:buAutoNum type="arabicPeriod"/>
             </a:pPr>
             <a:r>
-              <a:rPr lang="en-US" altLang="ja-JP" sz="1700" dirty="0">
-                <a:latin typeface="Tahoma" panose="020B0604030504040204" pitchFamily="34" charset="0"/>
-                <a:ea typeface="Tahoma" panose="020B0604030504040204" pitchFamily="34" charset="0"/>
-                <a:cs typeface="Tahoma" panose="020B0604030504040204" pitchFamily="34" charset="0"/>
-              </a:rPr>
-              <a:t>add program.</a:t>
+              <a:rPr lang="en-US" altLang="ja-JP" sz="1400" dirty="0">
+                <a:latin typeface="Tahoma" panose="020B0604030504040204" pitchFamily="34" charset="0"/>
+                <a:ea typeface="Tahoma" panose="020B0604030504040204" pitchFamily="34" charset="0"/>
+                <a:cs typeface="Tahoma" panose="020B0604030504040204" pitchFamily="34" charset="0"/>
+              </a:rPr>
+              <a:t>write this program.</a:t>
+            </a:r>
+          </a:p>
+          <a:p>
+            <a:pPr marL="342891" indent="-342891">
+              <a:buFont typeface="+mj-lt"/>
+              <a:buAutoNum type="arabicPeriod"/>
+            </a:pPr>
+            <a:r>
+              <a:rPr lang="en-US" altLang="ja-JP" sz="1400" dirty="0">
+                <a:latin typeface="Tahoma" panose="020B0604030504040204" pitchFamily="34" charset="0"/>
+                <a:ea typeface="Tahoma" panose="020B0604030504040204" pitchFamily="34" charset="0"/>
+                <a:cs typeface="Tahoma" panose="020B0604030504040204" pitchFamily="34" charset="0"/>
+              </a:rPr>
+              <a:t>http://localhost/php_lesson/lesson03_form.php </a:t>
             </a:r>
           </a:p>
         </p:txBody>
       </p:sp>
       <p:pic>
         <p:nvPicPr>
-          <p:cNvPr id="4" name="Picture 3">
+          <p:cNvPr id="5" name="Picture 4">
             <a:extLst>
               <a:ext uri="{FF2B5EF4-FFF2-40B4-BE49-F238E27FC236}">
-                <a16:creationId xmlns:a16="http://schemas.microsoft.com/office/drawing/2014/main" id="{805F98F5-60AB-4A3B-B2E5-A3CC42A20DE8}"/>
+                <a16:creationId xmlns:a16="http://schemas.microsoft.com/office/drawing/2014/main" id="{E4AE1241-3D1F-4BC6-8F10-04A977564340}"/>
               </a:ext>
             </a:extLst>
           </p:cNvPr>
@@ -3725,20 +3766,660 @@
           <p:nvPr/>
         </p:nvPicPr>
         <p:blipFill rotWithShape="1">
-          <a:blip r:embed="rId6"/>
-          <a:srcRect t="13589"/>
+          <a:blip r:embed="rId4"/>
+          <a:srcRect t="13426" b="5981"/>
           <a:stretch/>
         </p:blipFill>
         <p:spPr>
           <a:xfrm>
-            <a:off x="132659" y="4904506"/>
-            <a:ext cx="3693225" cy="1655155"/>
+            <a:off x="278740" y="4495946"/>
+            <a:ext cx="3550547" cy="2310046"/>
           </a:xfrm>
           <a:prstGeom prst="rect">
             <a:avLst/>
           </a:prstGeom>
+          <a:ln>
+            <a:solidFill>
+              <a:schemeClr val="accent1"/>
+            </a:solidFill>
+          </a:ln>
         </p:spPr>
       </p:pic>
+      <p:sp>
+        <p:nvSpPr>
+          <p:cNvPr id="15" name="TextBox 14">
+            <a:extLst>
+              <a:ext uri="{FF2B5EF4-FFF2-40B4-BE49-F238E27FC236}">
+                <a16:creationId xmlns:a16="http://schemas.microsoft.com/office/drawing/2014/main" id="{A91EA7D5-1994-4C52-80CB-DE375741C77B}"/>
+              </a:ext>
+            </a:extLst>
+          </p:cNvPr>
+          <p:cNvSpPr txBox="1"/>
+          <p:nvPr/>
+        </p:nvSpPr>
+        <p:spPr>
+          <a:xfrm>
+            <a:off x="4733151" y="387276"/>
+            <a:ext cx="4039216" cy="5701552"/>
+          </a:xfrm>
+          <a:prstGeom prst="rect">
+            <a:avLst/>
+          </a:prstGeom>
+          <a:solidFill>
+            <a:schemeClr val="bg1"/>
+          </a:solidFill>
+        </p:spPr>
+        <p:txBody>
+          <a:bodyPr wrap="square" rtlCol="0">
+            <a:noAutofit/>
+          </a:bodyPr>
+          <a:lstStyle/>
+          <a:p>
+            <a:r>
+              <a:rPr lang="en-US" sz="1000" dirty="0">
+                <a:latin typeface="Tahoma" panose="020B0604030504040204" pitchFamily="34" charset="0"/>
+                <a:ea typeface="Tahoma" panose="020B0604030504040204" pitchFamily="34" charset="0"/>
+                <a:cs typeface="Tahoma" panose="020B0604030504040204" pitchFamily="34" charset="0"/>
+              </a:rPr>
+              <a:t>&lt;!doctype html&gt;</a:t>
+            </a:r>
+          </a:p>
+          <a:p>
+            <a:r>
+              <a:rPr lang="en-US" sz="1000" dirty="0">
+                <a:latin typeface="Tahoma" panose="020B0604030504040204" pitchFamily="34" charset="0"/>
+                <a:ea typeface="Tahoma" panose="020B0604030504040204" pitchFamily="34" charset="0"/>
+                <a:cs typeface="Tahoma" panose="020B0604030504040204" pitchFamily="34" charset="0"/>
+              </a:rPr>
+              <a:t>&lt;html&gt;</a:t>
+            </a:r>
+          </a:p>
+          <a:p>
+            <a:r>
+              <a:rPr lang="en-US" sz="1000" dirty="0">
+                <a:latin typeface="Tahoma" panose="020B0604030504040204" pitchFamily="34" charset="0"/>
+                <a:ea typeface="Tahoma" panose="020B0604030504040204" pitchFamily="34" charset="0"/>
+                <a:cs typeface="Tahoma" panose="020B0604030504040204" pitchFamily="34" charset="0"/>
+              </a:rPr>
+              <a:t>&lt;head&gt;</a:t>
+            </a:r>
+          </a:p>
+          <a:p>
+            <a:r>
+              <a:rPr lang="en-US" sz="1000" dirty="0">
+                <a:latin typeface="Tahoma" panose="020B0604030504040204" pitchFamily="34" charset="0"/>
+                <a:ea typeface="Tahoma" panose="020B0604030504040204" pitchFamily="34" charset="0"/>
+                <a:cs typeface="Tahoma" panose="020B0604030504040204" pitchFamily="34" charset="0"/>
+              </a:rPr>
+              <a:t>    &lt;meta charset="utf-8"&gt;</a:t>
+            </a:r>
+          </a:p>
+          <a:p>
+            <a:r>
+              <a:rPr lang="en-US" sz="1000" dirty="0">
+                <a:latin typeface="Tahoma" panose="020B0604030504040204" pitchFamily="34" charset="0"/>
+                <a:ea typeface="Tahoma" panose="020B0604030504040204" pitchFamily="34" charset="0"/>
+                <a:cs typeface="Tahoma" panose="020B0604030504040204" pitchFamily="34" charset="0"/>
+              </a:rPr>
+              <a:t>&lt;/head&gt;</a:t>
+            </a:r>
+          </a:p>
+          <a:p>
+            <a:r>
+              <a:rPr lang="en-US" sz="1000" dirty="0">
+                <a:latin typeface="Tahoma" panose="020B0604030504040204" pitchFamily="34" charset="0"/>
+                <a:ea typeface="Tahoma" panose="020B0604030504040204" pitchFamily="34" charset="0"/>
+                <a:cs typeface="Tahoma" panose="020B0604030504040204" pitchFamily="34" charset="0"/>
+              </a:rPr>
+              <a:t>&lt;body&gt;</a:t>
+            </a:r>
+          </a:p>
+          <a:p>
+            <a:endParaRPr lang="en-US" sz="1000" dirty="0">
+              <a:latin typeface="Tahoma" panose="020B0604030504040204" pitchFamily="34" charset="0"/>
+              <a:ea typeface="Tahoma" panose="020B0604030504040204" pitchFamily="34" charset="0"/>
+              <a:cs typeface="Tahoma" panose="020B0604030504040204" pitchFamily="34" charset="0"/>
+            </a:endParaRPr>
+          </a:p>
+          <a:p>
+            <a:r>
+              <a:rPr lang="en-US" sz="1000" dirty="0">
+                <a:latin typeface="Tahoma" panose="020B0604030504040204" pitchFamily="34" charset="0"/>
+                <a:ea typeface="Tahoma" panose="020B0604030504040204" pitchFamily="34" charset="0"/>
+                <a:cs typeface="Tahoma" panose="020B0604030504040204" pitchFamily="34" charset="0"/>
+              </a:rPr>
+              <a:t>&lt;form action="lesson05_receive.php" method="POST"&gt;</a:t>
+            </a:r>
+          </a:p>
+          <a:p>
+            <a:r>
+              <a:rPr lang="en-US" sz="1000" dirty="0">
+                <a:latin typeface="Tahoma" panose="020B0604030504040204" pitchFamily="34" charset="0"/>
+                <a:ea typeface="Tahoma" panose="020B0604030504040204" pitchFamily="34" charset="0"/>
+                <a:cs typeface="Tahoma" panose="020B0604030504040204" pitchFamily="34" charset="0"/>
+              </a:rPr>
+              <a:t>text&lt;input type="text" name="text1" value=""&gt;&lt;</a:t>
+            </a:r>
+            <a:r>
+              <a:rPr lang="en-US" sz="1000" dirty="0" err="1">
+                <a:latin typeface="Tahoma" panose="020B0604030504040204" pitchFamily="34" charset="0"/>
+                <a:ea typeface="Tahoma" panose="020B0604030504040204" pitchFamily="34" charset="0"/>
+                <a:cs typeface="Tahoma" panose="020B0604030504040204" pitchFamily="34" charset="0"/>
+              </a:rPr>
+              <a:t>br</a:t>
+            </a:r>
+            <a:r>
+              <a:rPr lang="en-US" sz="1000" dirty="0">
+                <a:latin typeface="Tahoma" panose="020B0604030504040204" pitchFamily="34" charset="0"/>
+                <a:ea typeface="Tahoma" panose="020B0604030504040204" pitchFamily="34" charset="0"/>
+                <a:cs typeface="Tahoma" panose="020B0604030504040204" pitchFamily="34" charset="0"/>
+              </a:rPr>
+              <a:t>&gt;</a:t>
+            </a:r>
+          </a:p>
+          <a:p>
+            <a:r>
+              <a:rPr lang="en-US" sz="1000" dirty="0">
+                <a:latin typeface="Tahoma" panose="020B0604030504040204" pitchFamily="34" charset="0"/>
+                <a:ea typeface="Tahoma" panose="020B0604030504040204" pitchFamily="34" charset="0"/>
+                <a:cs typeface="Tahoma" panose="020B0604030504040204" pitchFamily="34" charset="0"/>
+              </a:rPr>
+              <a:t>password&lt;input type="text" name="pass1" value=""&gt;&lt;</a:t>
+            </a:r>
+            <a:r>
+              <a:rPr lang="en-US" sz="1000" dirty="0" err="1">
+                <a:latin typeface="Tahoma" panose="020B0604030504040204" pitchFamily="34" charset="0"/>
+                <a:ea typeface="Tahoma" panose="020B0604030504040204" pitchFamily="34" charset="0"/>
+                <a:cs typeface="Tahoma" panose="020B0604030504040204" pitchFamily="34" charset="0"/>
+              </a:rPr>
+              <a:t>br</a:t>
+            </a:r>
+            <a:r>
+              <a:rPr lang="en-US" sz="1000" dirty="0">
+                <a:latin typeface="Tahoma" panose="020B0604030504040204" pitchFamily="34" charset="0"/>
+                <a:ea typeface="Tahoma" panose="020B0604030504040204" pitchFamily="34" charset="0"/>
+                <a:cs typeface="Tahoma" panose="020B0604030504040204" pitchFamily="34" charset="0"/>
+              </a:rPr>
+              <a:t>&gt;</a:t>
+            </a:r>
+          </a:p>
+          <a:p>
+            <a:r>
+              <a:rPr lang="en-US" sz="1000" dirty="0">
+                <a:latin typeface="Tahoma" panose="020B0604030504040204" pitchFamily="34" charset="0"/>
+                <a:ea typeface="Tahoma" panose="020B0604030504040204" pitchFamily="34" charset="0"/>
+                <a:cs typeface="Tahoma" panose="020B0604030504040204" pitchFamily="34" charset="0"/>
+              </a:rPr>
+              <a:t>&lt;</a:t>
+            </a:r>
+            <a:r>
+              <a:rPr lang="en-US" sz="1000" dirty="0" err="1">
+                <a:latin typeface="Tahoma" panose="020B0604030504040204" pitchFamily="34" charset="0"/>
+                <a:ea typeface="Tahoma" panose="020B0604030504040204" pitchFamily="34" charset="0"/>
+                <a:cs typeface="Tahoma" panose="020B0604030504040204" pitchFamily="34" charset="0"/>
+              </a:rPr>
+              <a:t>hr</a:t>
+            </a:r>
+            <a:r>
+              <a:rPr lang="en-US" sz="1000" dirty="0">
+                <a:latin typeface="Tahoma" panose="020B0604030504040204" pitchFamily="34" charset="0"/>
+                <a:ea typeface="Tahoma" panose="020B0604030504040204" pitchFamily="34" charset="0"/>
+                <a:cs typeface="Tahoma" panose="020B0604030504040204" pitchFamily="34" charset="0"/>
+              </a:rPr>
+              <a:t>&gt;</a:t>
+            </a:r>
+          </a:p>
+          <a:p>
+            <a:r>
+              <a:rPr lang="en-US" sz="1000" dirty="0">
+                <a:latin typeface="Tahoma" panose="020B0604030504040204" pitchFamily="34" charset="0"/>
+                <a:ea typeface="Tahoma" panose="020B0604030504040204" pitchFamily="34" charset="0"/>
+                <a:cs typeface="Tahoma" panose="020B0604030504040204" pitchFamily="34" charset="0"/>
+              </a:rPr>
+              <a:t>checkbox1&lt;input type="checkbox" name="c1" value="1"&gt;&lt;</a:t>
+            </a:r>
+            <a:r>
+              <a:rPr lang="en-US" sz="1000" dirty="0" err="1">
+                <a:latin typeface="Tahoma" panose="020B0604030504040204" pitchFamily="34" charset="0"/>
+                <a:ea typeface="Tahoma" panose="020B0604030504040204" pitchFamily="34" charset="0"/>
+                <a:cs typeface="Tahoma" panose="020B0604030504040204" pitchFamily="34" charset="0"/>
+              </a:rPr>
+              <a:t>br</a:t>
+            </a:r>
+            <a:r>
+              <a:rPr lang="en-US" sz="1000" dirty="0">
+                <a:latin typeface="Tahoma" panose="020B0604030504040204" pitchFamily="34" charset="0"/>
+                <a:ea typeface="Tahoma" panose="020B0604030504040204" pitchFamily="34" charset="0"/>
+                <a:cs typeface="Tahoma" panose="020B0604030504040204" pitchFamily="34" charset="0"/>
+              </a:rPr>
+              <a:t>&gt;</a:t>
+            </a:r>
+          </a:p>
+          <a:p>
+            <a:r>
+              <a:rPr lang="en-US" sz="1000" dirty="0">
+                <a:latin typeface="Tahoma" panose="020B0604030504040204" pitchFamily="34" charset="0"/>
+                <a:ea typeface="Tahoma" panose="020B0604030504040204" pitchFamily="34" charset="0"/>
+                <a:cs typeface="Tahoma" panose="020B0604030504040204" pitchFamily="34" charset="0"/>
+              </a:rPr>
+              <a:t>checkbox2&lt;input type="checkbox" name="c1" value="2" checked&gt;&lt;</a:t>
+            </a:r>
+            <a:r>
+              <a:rPr lang="en-US" sz="1000" dirty="0" err="1">
+                <a:latin typeface="Tahoma" panose="020B0604030504040204" pitchFamily="34" charset="0"/>
+                <a:ea typeface="Tahoma" panose="020B0604030504040204" pitchFamily="34" charset="0"/>
+                <a:cs typeface="Tahoma" panose="020B0604030504040204" pitchFamily="34" charset="0"/>
+              </a:rPr>
+              <a:t>br</a:t>
+            </a:r>
+            <a:r>
+              <a:rPr lang="en-US" sz="1000" dirty="0">
+                <a:latin typeface="Tahoma" panose="020B0604030504040204" pitchFamily="34" charset="0"/>
+                <a:ea typeface="Tahoma" panose="020B0604030504040204" pitchFamily="34" charset="0"/>
+                <a:cs typeface="Tahoma" panose="020B0604030504040204" pitchFamily="34" charset="0"/>
+              </a:rPr>
+              <a:t>&gt;</a:t>
+            </a:r>
+          </a:p>
+          <a:p>
+            <a:r>
+              <a:rPr lang="en-US" sz="1000" dirty="0">
+                <a:latin typeface="Tahoma" panose="020B0604030504040204" pitchFamily="34" charset="0"/>
+                <a:ea typeface="Tahoma" panose="020B0604030504040204" pitchFamily="34" charset="0"/>
+                <a:cs typeface="Tahoma" panose="020B0604030504040204" pitchFamily="34" charset="0"/>
+              </a:rPr>
+              <a:t>checkbox3&lt;input type="checkbox" name="c1" value="3"&gt;&lt;</a:t>
+            </a:r>
+            <a:r>
+              <a:rPr lang="en-US" sz="1000" dirty="0" err="1">
+                <a:latin typeface="Tahoma" panose="020B0604030504040204" pitchFamily="34" charset="0"/>
+                <a:ea typeface="Tahoma" panose="020B0604030504040204" pitchFamily="34" charset="0"/>
+                <a:cs typeface="Tahoma" panose="020B0604030504040204" pitchFamily="34" charset="0"/>
+              </a:rPr>
+              <a:t>br</a:t>
+            </a:r>
+            <a:r>
+              <a:rPr lang="en-US" sz="1000" dirty="0">
+                <a:latin typeface="Tahoma" panose="020B0604030504040204" pitchFamily="34" charset="0"/>
+                <a:ea typeface="Tahoma" panose="020B0604030504040204" pitchFamily="34" charset="0"/>
+                <a:cs typeface="Tahoma" panose="020B0604030504040204" pitchFamily="34" charset="0"/>
+              </a:rPr>
+              <a:t>&gt;</a:t>
+            </a:r>
+          </a:p>
+          <a:p>
+            <a:r>
+              <a:rPr lang="en-US" sz="1000" dirty="0">
+                <a:latin typeface="Tahoma" panose="020B0604030504040204" pitchFamily="34" charset="0"/>
+                <a:ea typeface="Tahoma" panose="020B0604030504040204" pitchFamily="34" charset="0"/>
+                <a:cs typeface="Tahoma" panose="020B0604030504040204" pitchFamily="34" charset="0"/>
+              </a:rPr>
+              <a:t>&lt;</a:t>
+            </a:r>
+            <a:r>
+              <a:rPr lang="en-US" sz="1000" dirty="0" err="1">
+                <a:latin typeface="Tahoma" panose="020B0604030504040204" pitchFamily="34" charset="0"/>
+                <a:ea typeface="Tahoma" panose="020B0604030504040204" pitchFamily="34" charset="0"/>
+                <a:cs typeface="Tahoma" panose="020B0604030504040204" pitchFamily="34" charset="0"/>
+              </a:rPr>
+              <a:t>hr</a:t>
+            </a:r>
+            <a:r>
+              <a:rPr lang="en-US" sz="1000" dirty="0">
+                <a:latin typeface="Tahoma" panose="020B0604030504040204" pitchFamily="34" charset="0"/>
+                <a:ea typeface="Tahoma" panose="020B0604030504040204" pitchFamily="34" charset="0"/>
+                <a:cs typeface="Tahoma" panose="020B0604030504040204" pitchFamily="34" charset="0"/>
+              </a:rPr>
+              <a:t>&gt;</a:t>
+            </a:r>
+          </a:p>
+          <a:p>
+            <a:r>
+              <a:rPr lang="en-US" sz="1000" dirty="0">
+                <a:latin typeface="Tahoma" panose="020B0604030504040204" pitchFamily="34" charset="0"/>
+                <a:ea typeface="Tahoma" panose="020B0604030504040204" pitchFamily="34" charset="0"/>
+                <a:cs typeface="Tahoma" panose="020B0604030504040204" pitchFamily="34" charset="0"/>
+              </a:rPr>
+              <a:t>radio1&lt;input type="radio" name="r1" value="1"&gt;&lt;</a:t>
+            </a:r>
+            <a:r>
+              <a:rPr lang="en-US" sz="1000" dirty="0" err="1">
+                <a:latin typeface="Tahoma" panose="020B0604030504040204" pitchFamily="34" charset="0"/>
+                <a:ea typeface="Tahoma" panose="020B0604030504040204" pitchFamily="34" charset="0"/>
+                <a:cs typeface="Tahoma" panose="020B0604030504040204" pitchFamily="34" charset="0"/>
+              </a:rPr>
+              <a:t>br</a:t>
+            </a:r>
+            <a:r>
+              <a:rPr lang="en-US" sz="1000" dirty="0">
+                <a:latin typeface="Tahoma" panose="020B0604030504040204" pitchFamily="34" charset="0"/>
+                <a:ea typeface="Tahoma" panose="020B0604030504040204" pitchFamily="34" charset="0"/>
+                <a:cs typeface="Tahoma" panose="020B0604030504040204" pitchFamily="34" charset="0"/>
+              </a:rPr>
+              <a:t>&gt;</a:t>
+            </a:r>
+          </a:p>
+          <a:p>
+            <a:r>
+              <a:rPr lang="en-US" sz="1000" dirty="0">
+                <a:latin typeface="Tahoma" panose="020B0604030504040204" pitchFamily="34" charset="0"/>
+                <a:ea typeface="Tahoma" panose="020B0604030504040204" pitchFamily="34" charset="0"/>
+                <a:cs typeface="Tahoma" panose="020B0604030504040204" pitchFamily="34" charset="0"/>
+              </a:rPr>
+              <a:t>radio2&lt;input type="radio" name="r1" value="2"&gt;&lt;</a:t>
+            </a:r>
+            <a:r>
+              <a:rPr lang="en-US" sz="1000" dirty="0" err="1">
+                <a:latin typeface="Tahoma" panose="020B0604030504040204" pitchFamily="34" charset="0"/>
+                <a:ea typeface="Tahoma" panose="020B0604030504040204" pitchFamily="34" charset="0"/>
+                <a:cs typeface="Tahoma" panose="020B0604030504040204" pitchFamily="34" charset="0"/>
+              </a:rPr>
+              <a:t>br</a:t>
+            </a:r>
+            <a:r>
+              <a:rPr lang="en-US" sz="1000" dirty="0">
+                <a:latin typeface="Tahoma" panose="020B0604030504040204" pitchFamily="34" charset="0"/>
+                <a:ea typeface="Tahoma" panose="020B0604030504040204" pitchFamily="34" charset="0"/>
+                <a:cs typeface="Tahoma" panose="020B0604030504040204" pitchFamily="34" charset="0"/>
+              </a:rPr>
+              <a:t>&gt;</a:t>
+            </a:r>
+          </a:p>
+          <a:p>
+            <a:r>
+              <a:rPr lang="en-US" sz="1000" dirty="0">
+                <a:latin typeface="Tahoma" panose="020B0604030504040204" pitchFamily="34" charset="0"/>
+                <a:ea typeface="Tahoma" panose="020B0604030504040204" pitchFamily="34" charset="0"/>
+                <a:cs typeface="Tahoma" panose="020B0604030504040204" pitchFamily="34" charset="0"/>
+              </a:rPr>
+              <a:t>radio3&lt;input type="radio" name="r1" value="3" checked&gt;&lt;</a:t>
+            </a:r>
+            <a:r>
+              <a:rPr lang="en-US" sz="1000" dirty="0" err="1">
+                <a:latin typeface="Tahoma" panose="020B0604030504040204" pitchFamily="34" charset="0"/>
+                <a:ea typeface="Tahoma" panose="020B0604030504040204" pitchFamily="34" charset="0"/>
+                <a:cs typeface="Tahoma" panose="020B0604030504040204" pitchFamily="34" charset="0"/>
+              </a:rPr>
+              <a:t>br</a:t>
+            </a:r>
+            <a:r>
+              <a:rPr lang="en-US" sz="1000" dirty="0">
+                <a:latin typeface="Tahoma" panose="020B0604030504040204" pitchFamily="34" charset="0"/>
+                <a:ea typeface="Tahoma" panose="020B0604030504040204" pitchFamily="34" charset="0"/>
+                <a:cs typeface="Tahoma" panose="020B0604030504040204" pitchFamily="34" charset="0"/>
+              </a:rPr>
+              <a:t>&gt;</a:t>
+            </a:r>
+          </a:p>
+          <a:p>
+            <a:r>
+              <a:rPr lang="en-US" sz="1000" dirty="0">
+                <a:latin typeface="Tahoma" panose="020B0604030504040204" pitchFamily="34" charset="0"/>
+                <a:ea typeface="Tahoma" panose="020B0604030504040204" pitchFamily="34" charset="0"/>
+                <a:cs typeface="Tahoma" panose="020B0604030504040204" pitchFamily="34" charset="0"/>
+              </a:rPr>
+              <a:t>&lt;</a:t>
+            </a:r>
+            <a:r>
+              <a:rPr lang="en-US" sz="1000" dirty="0" err="1">
+                <a:latin typeface="Tahoma" panose="020B0604030504040204" pitchFamily="34" charset="0"/>
+                <a:ea typeface="Tahoma" panose="020B0604030504040204" pitchFamily="34" charset="0"/>
+                <a:cs typeface="Tahoma" panose="020B0604030504040204" pitchFamily="34" charset="0"/>
+              </a:rPr>
+              <a:t>hr</a:t>
+            </a:r>
+            <a:r>
+              <a:rPr lang="en-US" sz="1000" dirty="0">
+                <a:latin typeface="Tahoma" panose="020B0604030504040204" pitchFamily="34" charset="0"/>
+                <a:ea typeface="Tahoma" panose="020B0604030504040204" pitchFamily="34" charset="0"/>
+                <a:cs typeface="Tahoma" panose="020B0604030504040204" pitchFamily="34" charset="0"/>
+              </a:rPr>
+              <a:t>&gt;</a:t>
+            </a:r>
+          </a:p>
+          <a:p>
+            <a:r>
+              <a:rPr lang="en-US" sz="1000" dirty="0" err="1">
+                <a:latin typeface="Tahoma" panose="020B0604030504040204" pitchFamily="34" charset="0"/>
+                <a:ea typeface="Tahoma" panose="020B0604030504040204" pitchFamily="34" charset="0"/>
+                <a:cs typeface="Tahoma" panose="020B0604030504040204" pitchFamily="34" charset="0"/>
+              </a:rPr>
+              <a:t>textarea</a:t>
+            </a:r>
+            <a:r>
+              <a:rPr lang="en-US" sz="1000" dirty="0">
+                <a:latin typeface="Tahoma" panose="020B0604030504040204" pitchFamily="34" charset="0"/>
+                <a:ea typeface="Tahoma" panose="020B0604030504040204" pitchFamily="34" charset="0"/>
+                <a:cs typeface="Tahoma" panose="020B0604030504040204" pitchFamily="34" charset="0"/>
+              </a:rPr>
+              <a:t>&lt;</a:t>
+            </a:r>
+            <a:r>
+              <a:rPr lang="en-US" sz="1000" dirty="0" err="1">
+                <a:latin typeface="Tahoma" panose="020B0604030504040204" pitchFamily="34" charset="0"/>
+                <a:ea typeface="Tahoma" panose="020B0604030504040204" pitchFamily="34" charset="0"/>
+                <a:cs typeface="Tahoma" panose="020B0604030504040204" pitchFamily="34" charset="0"/>
+              </a:rPr>
+              <a:t>textarea</a:t>
+            </a:r>
+            <a:r>
+              <a:rPr lang="en-US" sz="1000" dirty="0">
+                <a:latin typeface="Tahoma" panose="020B0604030504040204" pitchFamily="34" charset="0"/>
+                <a:ea typeface="Tahoma" panose="020B0604030504040204" pitchFamily="34" charset="0"/>
+                <a:cs typeface="Tahoma" panose="020B0604030504040204" pitchFamily="34" charset="0"/>
+              </a:rPr>
+              <a:t> name="ta" cols="70" rows="5"&gt;test&lt;/</a:t>
+            </a:r>
+            <a:r>
+              <a:rPr lang="en-US" sz="1000" dirty="0" err="1">
+                <a:latin typeface="Tahoma" panose="020B0604030504040204" pitchFamily="34" charset="0"/>
+                <a:ea typeface="Tahoma" panose="020B0604030504040204" pitchFamily="34" charset="0"/>
+                <a:cs typeface="Tahoma" panose="020B0604030504040204" pitchFamily="34" charset="0"/>
+              </a:rPr>
+              <a:t>textarea</a:t>
+            </a:r>
+            <a:r>
+              <a:rPr lang="en-US" sz="1000" dirty="0">
+                <a:latin typeface="Tahoma" panose="020B0604030504040204" pitchFamily="34" charset="0"/>
+                <a:ea typeface="Tahoma" panose="020B0604030504040204" pitchFamily="34" charset="0"/>
+                <a:cs typeface="Tahoma" panose="020B0604030504040204" pitchFamily="34" charset="0"/>
+              </a:rPr>
+              <a:t>&gt;&lt;</a:t>
+            </a:r>
+            <a:r>
+              <a:rPr lang="en-US" sz="1000" dirty="0" err="1">
+                <a:latin typeface="Tahoma" panose="020B0604030504040204" pitchFamily="34" charset="0"/>
+                <a:ea typeface="Tahoma" panose="020B0604030504040204" pitchFamily="34" charset="0"/>
+                <a:cs typeface="Tahoma" panose="020B0604030504040204" pitchFamily="34" charset="0"/>
+              </a:rPr>
+              <a:t>br</a:t>
+            </a:r>
+            <a:r>
+              <a:rPr lang="en-US" sz="1000" dirty="0">
+                <a:latin typeface="Tahoma" panose="020B0604030504040204" pitchFamily="34" charset="0"/>
+                <a:ea typeface="Tahoma" panose="020B0604030504040204" pitchFamily="34" charset="0"/>
+                <a:cs typeface="Tahoma" panose="020B0604030504040204" pitchFamily="34" charset="0"/>
+              </a:rPr>
+              <a:t>&gt;</a:t>
+            </a:r>
+          </a:p>
+          <a:p>
+            <a:r>
+              <a:rPr lang="en-US" sz="1000" dirty="0">
+                <a:latin typeface="Tahoma" panose="020B0604030504040204" pitchFamily="34" charset="0"/>
+                <a:ea typeface="Tahoma" panose="020B0604030504040204" pitchFamily="34" charset="0"/>
+                <a:cs typeface="Tahoma" panose="020B0604030504040204" pitchFamily="34" charset="0"/>
+              </a:rPr>
+              <a:t>&lt;</a:t>
+            </a:r>
+            <a:r>
+              <a:rPr lang="en-US" sz="1000" dirty="0" err="1">
+                <a:latin typeface="Tahoma" panose="020B0604030504040204" pitchFamily="34" charset="0"/>
+                <a:ea typeface="Tahoma" panose="020B0604030504040204" pitchFamily="34" charset="0"/>
+                <a:cs typeface="Tahoma" panose="020B0604030504040204" pitchFamily="34" charset="0"/>
+              </a:rPr>
+              <a:t>hr</a:t>
+            </a:r>
+            <a:r>
+              <a:rPr lang="en-US" sz="1000" dirty="0">
+                <a:latin typeface="Tahoma" panose="020B0604030504040204" pitchFamily="34" charset="0"/>
+                <a:ea typeface="Tahoma" panose="020B0604030504040204" pitchFamily="34" charset="0"/>
+                <a:cs typeface="Tahoma" panose="020B0604030504040204" pitchFamily="34" charset="0"/>
+              </a:rPr>
+              <a:t>&gt;</a:t>
+            </a:r>
+          </a:p>
+          <a:p>
+            <a:r>
+              <a:rPr lang="en-US" sz="1000" dirty="0">
+                <a:latin typeface="Tahoma" panose="020B0604030504040204" pitchFamily="34" charset="0"/>
+                <a:ea typeface="Tahoma" panose="020B0604030504040204" pitchFamily="34" charset="0"/>
+                <a:cs typeface="Tahoma" panose="020B0604030504040204" pitchFamily="34" charset="0"/>
+              </a:rPr>
+              <a:t>select</a:t>
+            </a:r>
+          </a:p>
+          <a:p>
+            <a:r>
+              <a:rPr lang="en-US" sz="1000" dirty="0">
+                <a:latin typeface="Tahoma" panose="020B0604030504040204" pitchFamily="34" charset="0"/>
+                <a:ea typeface="Tahoma" panose="020B0604030504040204" pitchFamily="34" charset="0"/>
+                <a:cs typeface="Tahoma" panose="020B0604030504040204" pitchFamily="34" charset="0"/>
+              </a:rPr>
+              <a:t>&lt;select name="</a:t>
+            </a:r>
+            <a:r>
+              <a:rPr lang="en-US" sz="1000" dirty="0" err="1">
+                <a:latin typeface="Tahoma" panose="020B0604030504040204" pitchFamily="34" charset="0"/>
+                <a:ea typeface="Tahoma" panose="020B0604030504040204" pitchFamily="34" charset="0"/>
+                <a:cs typeface="Tahoma" panose="020B0604030504040204" pitchFamily="34" charset="0"/>
+              </a:rPr>
+              <a:t>sel</a:t>
+            </a:r>
+            <a:r>
+              <a:rPr lang="en-US" sz="1000" dirty="0">
+                <a:latin typeface="Tahoma" panose="020B0604030504040204" pitchFamily="34" charset="0"/>
+                <a:ea typeface="Tahoma" panose="020B0604030504040204" pitchFamily="34" charset="0"/>
+                <a:cs typeface="Tahoma" panose="020B0604030504040204" pitchFamily="34" charset="0"/>
+              </a:rPr>
+              <a:t>"&gt;</a:t>
+            </a:r>
+          </a:p>
+          <a:p>
+            <a:r>
+              <a:rPr lang="en-US" sz="1000" dirty="0">
+                <a:latin typeface="Tahoma" panose="020B0604030504040204" pitchFamily="34" charset="0"/>
+                <a:ea typeface="Tahoma" panose="020B0604030504040204" pitchFamily="34" charset="0"/>
+                <a:cs typeface="Tahoma" panose="020B0604030504040204" pitchFamily="34" charset="0"/>
+              </a:rPr>
+              <a:t>&lt;option value="s1"&gt;s1&lt;/option&gt;</a:t>
+            </a:r>
+          </a:p>
+          <a:p>
+            <a:r>
+              <a:rPr lang="en-US" sz="1000" dirty="0">
+                <a:latin typeface="Tahoma" panose="020B0604030504040204" pitchFamily="34" charset="0"/>
+                <a:ea typeface="Tahoma" panose="020B0604030504040204" pitchFamily="34" charset="0"/>
+                <a:cs typeface="Tahoma" panose="020B0604030504040204" pitchFamily="34" charset="0"/>
+              </a:rPr>
+              <a:t>&lt;option value="s2"&gt;s2&lt;/option&gt;</a:t>
+            </a:r>
+          </a:p>
+          <a:p>
+            <a:r>
+              <a:rPr lang="en-US" sz="1000" dirty="0">
+                <a:latin typeface="Tahoma" panose="020B0604030504040204" pitchFamily="34" charset="0"/>
+                <a:ea typeface="Tahoma" panose="020B0604030504040204" pitchFamily="34" charset="0"/>
+                <a:cs typeface="Tahoma" panose="020B0604030504040204" pitchFamily="34" charset="0"/>
+              </a:rPr>
+              <a:t>&lt;option value="s3"&gt;s3&lt;/option&gt;</a:t>
+            </a:r>
+          </a:p>
+          <a:p>
+            <a:r>
+              <a:rPr lang="en-US" sz="1000" dirty="0">
+                <a:latin typeface="Tahoma" panose="020B0604030504040204" pitchFamily="34" charset="0"/>
+                <a:ea typeface="Tahoma" panose="020B0604030504040204" pitchFamily="34" charset="0"/>
+                <a:cs typeface="Tahoma" panose="020B0604030504040204" pitchFamily="34" charset="0"/>
+              </a:rPr>
+              <a:t>&lt;/select&gt;</a:t>
+            </a:r>
+          </a:p>
+          <a:p>
+            <a:r>
+              <a:rPr lang="en-US" sz="1000" dirty="0">
+                <a:latin typeface="Tahoma" panose="020B0604030504040204" pitchFamily="34" charset="0"/>
+                <a:ea typeface="Tahoma" panose="020B0604030504040204" pitchFamily="34" charset="0"/>
+                <a:cs typeface="Tahoma" panose="020B0604030504040204" pitchFamily="34" charset="0"/>
+              </a:rPr>
+              <a:t>&lt;</a:t>
+            </a:r>
+            <a:r>
+              <a:rPr lang="en-US" sz="1000" dirty="0" err="1">
+                <a:latin typeface="Tahoma" panose="020B0604030504040204" pitchFamily="34" charset="0"/>
+                <a:ea typeface="Tahoma" panose="020B0604030504040204" pitchFamily="34" charset="0"/>
+                <a:cs typeface="Tahoma" panose="020B0604030504040204" pitchFamily="34" charset="0"/>
+              </a:rPr>
+              <a:t>hr</a:t>
+            </a:r>
+            <a:r>
+              <a:rPr lang="en-US" sz="1000" dirty="0">
+                <a:latin typeface="Tahoma" panose="020B0604030504040204" pitchFamily="34" charset="0"/>
+                <a:ea typeface="Tahoma" panose="020B0604030504040204" pitchFamily="34" charset="0"/>
+                <a:cs typeface="Tahoma" panose="020B0604030504040204" pitchFamily="34" charset="0"/>
+              </a:rPr>
+              <a:t>&gt;</a:t>
+            </a:r>
+          </a:p>
+          <a:p>
+            <a:r>
+              <a:rPr lang="en-US" sz="1000" dirty="0">
+                <a:latin typeface="Tahoma" panose="020B0604030504040204" pitchFamily="34" charset="0"/>
+                <a:ea typeface="Tahoma" panose="020B0604030504040204" pitchFamily="34" charset="0"/>
+                <a:cs typeface="Tahoma" panose="020B0604030504040204" pitchFamily="34" charset="0"/>
+              </a:rPr>
+              <a:t>&lt;input type="submit" value="next"&gt;</a:t>
+            </a:r>
+          </a:p>
+          <a:p>
+            <a:r>
+              <a:rPr lang="en-US" sz="1000" dirty="0">
+                <a:latin typeface="Tahoma" panose="020B0604030504040204" pitchFamily="34" charset="0"/>
+                <a:ea typeface="Tahoma" panose="020B0604030504040204" pitchFamily="34" charset="0"/>
+                <a:cs typeface="Tahoma" panose="020B0604030504040204" pitchFamily="34" charset="0"/>
+              </a:rPr>
+              <a:t>&lt;/form&gt;</a:t>
+            </a:r>
+          </a:p>
+          <a:p>
+            <a:endParaRPr lang="en-US" sz="1000" dirty="0">
+              <a:latin typeface="Tahoma" panose="020B0604030504040204" pitchFamily="34" charset="0"/>
+              <a:ea typeface="Tahoma" panose="020B0604030504040204" pitchFamily="34" charset="0"/>
+              <a:cs typeface="Tahoma" panose="020B0604030504040204" pitchFamily="34" charset="0"/>
+            </a:endParaRPr>
+          </a:p>
+          <a:p>
+            <a:r>
+              <a:rPr lang="en-US" sz="1000" dirty="0">
+                <a:latin typeface="Tahoma" panose="020B0604030504040204" pitchFamily="34" charset="0"/>
+                <a:ea typeface="Tahoma" panose="020B0604030504040204" pitchFamily="34" charset="0"/>
+                <a:cs typeface="Tahoma" panose="020B0604030504040204" pitchFamily="34" charset="0"/>
+              </a:rPr>
+              <a:t>&lt;/body&gt;</a:t>
+            </a:r>
+          </a:p>
+          <a:p>
+            <a:r>
+              <a:rPr lang="en-US" sz="1000" dirty="0">
+                <a:latin typeface="Tahoma" panose="020B0604030504040204" pitchFamily="34" charset="0"/>
+                <a:ea typeface="Tahoma" panose="020B0604030504040204" pitchFamily="34" charset="0"/>
+                <a:cs typeface="Tahoma" panose="020B0604030504040204" pitchFamily="34" charset="0"/>
+              </a:rPr>
+              <a:t>&lt;/html&gt;</a:t>
+            </a:r>
+          </a:p>
+        </p:txBody>
+      </p:sp>
     </p:spTree>
     <p:extLst>
       <p:ext uri="{BB962C8B-B14F-4D97-AF65-F5344CB8AC3E}">
@@ -3929,95 +4610,6 @@
             </a:r>
           </a:p>
           <a:p>
-            <a:pPr marL="457200" lvl="1" indent="0">
-              <a:buNone/>
-            </a:pPr>
-            <a:r>
-              <a:rPr lang="en-US" sz="1300" dirty="0">
-                <a:latin typeface="Tahoma" panose="020B0604030504040204" pitchFamily="34" charset="0"/>
-                <a:ea typeface="Tahoma" panose="020B0604030504040204" pitchFamily="34" charset="0"/>
-                <a:cs typeface="Tahoma" panose="020B0604030504040204" pitchFamily="34" charset="0"/>
-              </a:rPr>
-              <a:t>must write </a:t>
-            </a:r>
-            <a:r>
-              <a:rPr lang="en-US" sz="1300" dirty="0">
-                <a:solidFill>
-                  <a:srgbClr val="FF0000"/>
-                </a:solidFill>
-                <a:latin typeface="Tahoma" panose="020B0604030504040204" pitchFamily="34" charset="0"/>
-                <a:ea typeface="Tahoma" panose="020B0604030504040204" pitchFamily="34" charset="0"/>
-                <a:cs typeface="Tahoma" panose="020B0604030504040204" pitchFamily="34" charset="0"/>
-              </a:rPr>
-              <a:t>&lt;?</a:t>
-            </a:r>
-            <a:r>
-              <a:rPr lang="en-US" sz="1300" dirty="0" err="1">
-                <a:solidFill>
-                  <a:srgbClr val="FF0000"/>
-                </a:solidFill>
-                <a:latin typeface="Tahoma" panose="020B0604030504040204" pitchFamily="34" charset="0"/>
-                <a:ea typeface="Tahoma" panose="020B0604030504040204" pitchFamily="34" charset="0"/>
-                <a:cs typeface="Tahoma" panose="020B0604030504040204" pitchFamily="34" charset="0"/>
-              </a:rPr>
-              <a:t>php</a:t>
-            </a:r>
-            <a:r>
-              <a:rPr lang="en-US" sz="1300" dirty="0">
-                <a:solidFill>
-                  <a:srgbClr val="FF0000"/>
-                </a:solidFill>
-                <a:latin typeface="Tahoma" panose="020B0604030504040204" pitchFamily="34" charset="0"/>
-                <a:ea typeface="Tahoma" panose="020B0604030504040204" pitchFamily="34" charset="0"/>
-                <a:cs typeface="Tahoma" panose="020B0604030504040204" pitchFamily="34" charset="0"/>
-              </a:rPr>
-              <a:t> </a:t>
-            </a:r>
-            <a:r>
-              <a:rPr lang="en-US" sz="1300" dirty="0">
-                <a:latin typeface="Tahoma" panose="020B0604030504040204" pitchFamily="34" charset="0"/>
-                <a:ea typeface="Tahoma" panose="020B0604030504040204" pitchFamily="34" charset="0"/>
-                <a:cs typeface="Tahoma" panose="020B0604030504040204" pitchFamily="34" charset="0"/>
-              </a:rPr>
-              <a:t>and </a:t>
-            </a:r>
-            <a:r>
-              <a:rPr lang="en-US" sz="1300" dirty="0">
-                <a:solidFill>
-                  <a:srgbClr val="FF0000"/>
-                </a:solidFill>
-                <a:latin typeface="Tahoma" panose="020B0604030504040204" pitchFamily="34" charset="0"/>
-                <a:ea typeface="Tahoma" panose="020B0604030504040204" pitchFamily="34" charset="0"/>
-                <a:cs typeface="Tahoma" panose="020B0604030504040204" pitchFamily="34" charset="0"/>
-              </a:rPr>
-              <a:t>?&gt;</a:t>
-            </a:r>
-          </a:p>
-          <a:p>
-            <a:pPr marL="457200" lvl="1" indent="0">
-              <a:buNone/>
-            </a:pPr>
-            <a:r>
-              <a:rPr lang="en-US" sz="1300" dirty="0">
-                <a:latin typeface="Tahoma" panose="020B0604030504040204" pitchFamily="34" charset="0"/>
-                <a:ea typeface="Tahoma" panose="020B0604030504040204" pitchFamily="34" charset="0"/>
-                <a:cs typeface="Tahoma" panose="020B0604030504040204" pitchFamily="34" charset="0"/>
-              </a:rPr>
-              <a:t>command </a:t>
-            </a:r>
-            <a:r>
-              <a:rPr lang="en-US" sz="1300" dirty="0">
-                <a:solidFill>
-                  <a:srgbClr val="FF0000"/>
-                </a:solidFill>
-                <a:latin typeface="Tahoma" panose="020B0604030504040204" pitchFamily="34" charset="0"/>
-                <a:ea typeface="Tahoma" panose="020B0604030504040204" pitchFamily="34" charset="0"/>
-                <a:cs typeface="Tahoma" panose="020B0604030504040204" pitchFamily="34" charset="0"/>
-              </a:rPr>
-              <a:t>print </a:t>
-            </a:r>
-          </a:p>
-          <a:p>
             <a:pPr marL="285744" indent="-285744"/>
             <a:r>
               <a:rPr lang="en-US" sz="1700">
@@ -4025,7 +4617,7 @@
                 <a:ea typeface="Tahoma" panose="020B0604030504040204" pitchFamily="34" charset="0"/>
                 <a:cs typeface="Tahoma" panose="020B0604030504040204" pitchFamily="34" charset="0"/>
               </a:rPr>
-              <a:t>L18-19: </a:t>
+              <a:t>L17-22</a:t>
             </a:r>
             <a:r>
               <a:rPr lang="en-US" sz="1700" dirty="0">
@@ -4033,76 +4625,28 @@
                 <a:ea typeface="Tahoma" panose="020B0604030504040204" pitchFamily="34" charset="0"/>
                 <a:cs typeface="Tahoma" panose="020B0604030504040204" pitchFamily="34" charset="0"/>
               </a:rPr>
-              <a:t>HTML footer</a:t>
+              <a:t>: show variables</a:t>
+            </a:r>
+          </a:p>
+          <a:p>
+            <a:pPr marL="285744" indent="-285744"/>
+            <a:r>
+              <a:rPr lang="en-US" sz="1700" dirty="0">
+                <a:latin typeface="Tahoma" panose="020B0604030504040204" pitchFamily="34" charset="0"/>
+                <a:ea typeface="Tahoma" panose="020B0604030504040204" pitchFamily="34" charset="0"/>
+                <a:cs typeface="Tahoma" panose="020B0604030504040204" pitchFamily="34" charset="0"/>
+              </a:rPr>
+              <a:t>L24-25: HTML footer</a:t>
             </a:r>
           </a:p>
           <a:p>
             <a:endParaRPr lang="en-US" sz="1700" dirty="0"/>
           </a:p>
-        </p:txBody>
-      </p:sp>
-      <mc:AlternateContent xmlns:mc="http://schemas.openxmlformats.org/markup-compatibility/2006">
-        <mc:Choice xmlns:we="http://schemas.microsoft.com/office/webextensions/webextension/2010/11" xmlns:pca="http://schemas.microsoft.com/office/powerpoint/2013/contentapp" Requires="we pca">
-          <p:graphicFrame>
-            <p:nvGraphicFramePr>
-              <p:cNvPr id="7" name="Add-in 6" title="Code Presenter Pro">
-                <a:extLst>
-                  <a:ext uri="{FF2B5EF4-FFF2-40B4-BE49-F238E27FC236}">
-                    <a16:creationId xmlns:a16="http://schemas.microsoft.com/office/drawing/2014/main" id="{08B2A02E-54C7-48BA-8B6F-AF9CCA1E0E47}"/>
-                  </a:ext>
-                </a:extLst>
-              </p:cNvPr>
-              <p:cNvGraphicFramePr>
-                <a:graphicFrameLocks noGrp="1"/>
-              </p:cNvGraphicFramePr>
-              <p:nvPr>
-                <p:extLst/>
-              </p:nvPr>
-            </p:nvGraphicFramePr>
-            <p:xfrm>
-              <a:off x="4042429" y="394462"/>
-              <a:ext cx="4781893" cy="5715000"/>
-            </p:xfrm>
-            <a:graphic>
-              <a:graphicData uri="http://schemas.microsoft.com/office/webextensions/webextension/2010/11">
-                <we:webextensionref xmlns:we="http://schemas.microsoft.com/office/webextensions/webextension/2010/11" xmlns:r="http://schemas.openxmlformats.org/officeDocument/2006/relationships" r:id="rId2"/>
-              </a:graphicData>
-            </a:graphic>
-          </p:graphicFrame>
-        </mc:Choice>
-        <mc:Fallback>
-          <p:pic>
-            <p:nvPicPr>
-              <p:cNvPr id="7" name="Add-in 6" title="Code Presenter Pro">
-                <a:extLst>
-                  <a:ext uri="{FF2B5EF4-FFF2-40B4-BE49-F238E27FC236}">
-                    <a16:creationId xmlns:a16="http://schemas.microsoft.com/office/drawing/2014/main" id="{08B2A02E-54C7-48BA-8B6F-AF9CCA1E0E47}"/>
-                  </a:ext>
-                </a:extLst>
-              </p:cNvPr>
-              <p:cNvPicPr>
-                <a:picLocks noGrp="1" noRot="1" noChangeAspect="1" noMove="1" noResize="1" noEditPoints="1" noAdjustHandles="1" noChangeArrowheads="1" noChangeShapeType="1"/>
-              </p:cNvPicPr>
-              <p:nvPr/>
-            </p:nvPicPr>
-            <p:blipFill>
-              <a:blip r:embed="rId3"/>
-              <a:stretch>
-                <a:fillRect/>
-              </a:stretch>
-            </p:blipFill>
-            <p:spPr>
-              <a:xfrm>
-                <a:off x="4042429" y="394462"/>
-                <a:ext cx="4781893" cy="5715000"/>
-              </a:xfrm>
-              <a:prstGeom prst="rect">
-                <a:avLst/>
-              </a:prstGeom>
-            </p:spPr>
-          </p:pic>
-        </mc:Fallback>
-      </mc:AlternateContent>
+          <a:p>
+            <a:endParaRPr lang="en-US" sz="1700" dirty="0"/>
+          </a:p>
+        </p:txBody>
+      </p:sp>
       <p:sp>
         <p:nvSpPr>
           <p:cNvPr id="6" name="Rectangle 5">
@@ -4159,7 +4703,7 @@
         </p:nvSpPr>
         <p:spPr>
           <a:xfrm>
-            <a:off x="1629861" y="4583315"/>
+            <a:off x="1490714" y="4688168"/>
             <a:ext cx="848309" cy="369332"/>
           </a:xfrm>
           <a:prstGeom prst="rect">
@@ -4246,13 +4790,13 @@
           <p:nvPr/>
         </p:nvPicPr>
         <p:blipFill>
-          <a:blip r:embed="rId4">
+          <a:blip r:embed="rId2">
             <a:extLst>
               <a:ext uri="{28A0092B-C50C-407E-A947-70E740481C1C}">
                 <a14:useLocalDpi xmlns:a14="http://schemas.microsoft.com/office/drawing/2010/main" val="0"/>
               </a:ext>
               <a:ext uri="{96DAC541-7B7A-43D3-8B79-37D633B846F1}">
-                <asvg:svgBlip xmlns:asvg="http://schemas.microsoft.com/office/drawing/2016/SVG/main" r:embed="rId5"/>
+                <asvg:svgBlip xmlns:asvg="http://schemas.microsoft.com/office/drawing/2016/SVG/main" r:embed="rId3"/>
               </a:ext>
             </a:extLst>
           </a:blip>
@@ -4287,7 +4831,7 @@
         <p:spPr>
           <a:xfrm>
             <a:off x="314369" y="944302"/>
-            <a:ext cx="3479292" cy="3785419"/>
+            <a:ext cx="4088666" cy="3785419"/>
           </a:xfrm>
           <a:prstGeom prst="rect">
             <a:avLst/>
@@ -4486,17 +5030,42 @@
                 <a:ea typeface="Tahoma" panose="020B0604030504040204" pitchFamily="34" charset="0"/>
                 <a:cs typeface="Tahoma" panose="020B0604030504040204" pitchFamily="34" charset="0"/>
               </a:rPr>
-              <a:t>add program.</a:t>
-            </a:r>
+              <a:t>write this program.</a:t>
+            </a:r>
+          </a:p>
+          <a:p>
+            <a:pPr marL="342891" indent="-342891">
+              <a:buFont typeface="+mj-lt"/>
+              <a:buAutoNum type="arabicPeriod"/>
+            </a:pPr>
+            <a:r>
+              <a:rPr lang="en-US" altLang="ja-JP" sz="1600" dirty="0">
+                <a:latin typeface="Tahoma" panose="020B0604030504040204" pitchFamily="34" charset="0"/>
+                <a:ea typeface="Tahoma" panose="020B0604030504040204" pitchFamily="34" charset="0"/>
+                <a:cs typeface="Tahoma" panose="020B0604030504040204" pitchFamily="34" charset="0"/>
+              </a:rPr>
+              <a:t>click button from lesson03_recieve.php </a:t>
+            </a:r>
+          </a:p>
+          <a:p>
+            <a:pPr marL="342891" indent="-342891">
+              <a:buFont typeface="+mj-lt"/>
+              <a:buAutoNum type="arabicPeriod"/>
+            </a:pPr>
+            <a:endParaRPr lang="en-US" altLang="ja-JP" sz="1700" dirty="0">
+              <a:latin typeface="Tahoma" panose="020B0604030504040204" pitchFamily="34" charset="0"/>
+              <a:ea typeface="Tahoma" panose="020B0604030504040204" pitchFamily="34" charset="0"/>
+              <a:cs typeface="Tahoma" panose="020B0604030504040204" pitchFamily="34" charset="0"/>
+            </a:endParaRPr>
           </a:p>
         </p:txBody>
       </p:sp>
       <p:pic>
         <p:nvPicPr>
-          <p:cNvPr id="4" name="Picture 3">
+          <p:cNvPr id="5" name="Picture 4">
             <a:extLst>
               <a:ext uri="{FF2B5EF4-FFF2-40B4-BE49-F238E27FC236}">
-                <a16:creationId xmlns:a16="http://schemas.microsoft.com/office/drawing/2014/main" id="{1D973663-5E05-4B9F-806F-319C3E439040}"/>
+                <a16:creationId xmlns:a16="http://schemas.microsoft.com/office/drawing/2014/main" id="{A4497425-BFCD-44BA-9EB2-6F0906066105}"/>
               </a:ext>
             </a:extLst>
           </p:cNvPr>
@@ -4506,20 +5075,558 @@
           <p:nvPr/>
         </p:nvPicPr>
         <p:blipFill rotWithShape="1">
-          <a:blip r:embed="rId6"/>
-          <a:srcRect t="17963"/>
+          <a:blip r:embed="rId4"/>
+          <a:srcRect t="26337" b="9054"/>
           <a:stretch/>
         </p:blipFill>
         <p:spPr>
           <a:xfrm>
-            <a:off x="171488" y="4952647"/>
-            <a:ext cx="3693585" cy="1152754"/>
+            <a:off x="420899" y="5131439"/>
+            <a:ext cx="2992990" cy="1629208"/>
           </a:xfrm>
           <a:prstGeom prst="rect">
             <a:avLst/>
           </a:prstGeom>
+          <a:ln>
+            <a:solidFill>
+              <a:schemeClr val="accent1"/>
+            </a:solidFill>
+          </a:ln>
         </p:spPr>
       </p:pic>
+      <p:sp>
+        <p:nvSpPr>
+          <p:cNvPr id="15" name="TextBox 14">
+            <a:extLst>
+              <a:ext uri="{FF2B5EF4-FFF2-40B4-BE49-F238E27FC236}">
+                <a16:creationId xmlns:a16="http://schemas.microsoft.com/office/drawing/2014/main" id="{3277CA49-D282-4E32-9D23-4B152C96A9AE}"/>
+              </a:ext>
+            </a:extLst>
+          </p:cNvPr>
+          <p:cNvSpPr txBox="1"/>
+          <p:nvPr/>
+        </p:nvSpPr>
+        <p:spPr>
+          <a:xfrm>
+            <a:off x="4733151" y="387276"/>
+            <a:ext cx="4039216" cy="5701552"/>
+          </a:xfrm>
+          <a:prstGeom prst="rect">
+            <a:avLst/>
+          </a:prstGeom>
+          <a:solidFill>
+            <a:schemeClr val="bg1"/>
+          </a:solidFill>
+        </p:spPr>
+        <p:txBody>
+          <a:bodyPr wrap="square" rtlCol="0">
+            <a:noAutofit/>
+          </a:bodyPr>
+          <a:lstStyle/>
+          <a:p>
+            <a:r>
+              <a:rPr lang="en-US" sz="1200" dirty="0">
+                <a:latin typeface="Tahoma" panose="020B0604030504040204" pitchFamily="34" charset="0"/>
+                <a:ea typeface="Tahoma" panose="020B0604030504040204" pitchFamily="34" charset="0"/>
+                <a:cs typeface="Tahoma" panose="020B0604030504040204" pitchFamily="34" charset="0"/>
+              </a:rPr>
+              <a:t>&lt;!doctype html&gt;</a:t>
+            </a:r>
+          </a:p>
+          <a:p>
+            <a:r>
+              <a:rPr lang="en-US" sz="1200" dirty="0">
+                <a:latin typeface="Tahoma" panose="020B0604030504040204" pitchFamily="34" charset="0"/>
+                <a:ea typeface="Tahoma" panose="020B0604030504040204" pitchFamily="34" charset="0"/>
+                <a:cs typeface="Tahoma" panose="020B0604030504040204" pitchFamily="34" charset="0"/>
+              </a:rPr>
+              <a:t>&lt;html&gt;</a:t>
+            </a:r>
+          </a:p>
+          <a:p>
+            <a:r>
+              <a:rPr lang="en-US" sz="1200" dirty="0">
+                <a:latin typeface="Tahoma" panose="020B0604030504040204" pitchFamily="34" charset="0"/>
+                <a:ea typeface="Tahoma" panose="020B0604030504040204" pitchFamily="34" charset="0"/>
+                <a:cs typeface="Tahoma" panose="020B0604030504040204" pitchFamily="34" charset="0"/>
+              </a:rPr>
+              <a:t>&lt;head&gt;</a:t>
+            </a:r>
+          </a:p>
+          <a:p>
+            <a:r>
+              <a:rPr lang="en-US" sz="1200" dirty="0">
+                <a:latin typeface="Tahoma" panose="020B0604030504040204" pitchFamily="34" charset="0"/>
+                <a:ea typeface="Tahoma" panose="020B0604030504040204" pitchFamily="34" charset="0"/>
+                <a:cs typeface="Tahoma" panose="020B0604030504040204" pitchFamily="34" charset="0"/>
+              </a:rPr>
+              <a:t>    &lt;meta charset="utf-8"&gt;</a:t>
+            </a:r>
+          </a:p>
+          <a:p>
+            <a:r>
+              <a:rPr lang="en-US" sz="1200" dirty="0">
+                <a:latin typeface="Tahoma" panose="020B0604030504040204" pitchFamily="34" charset="0"/>
+                <a:ea typeface="Tahoma" panose="020B0604030504040204" pitchFamily="34" charset="0"/>
+                <a:cs typeface="Tahoma" panose="020B0604030504040204" pitchFamily="34" charset="0"/>
+              </a:rPr>
+              <a:t>&lt;/head&gt;</a:t>
+            </a:r>
+          </a:p>
+          <a:p>
+            <a:r>
+              <a:rPr lang="en-US" sz="1200" dirty="0">
+                <a:latin typeface="Tahoma" panose="020B0604030504040204" pitchFamily="34" charset="0"/>
+                <a:ea typeface="Tahoma" panose="020B0604030504040204" pitchFamily="34" charset="0"/>
+                <a:cs typeface="Tahoma" panose="020B0604030504040204" pitchFamily="34" charset="0"/>
+              </a:rPr>
+              <a:t>&lt;body&gt;</a:t>
+            </a:r>
+          </a:p>
+          <a:p>
+            <a:endParaRPr lang="en-US" sz="1200" dirty="0">
+              <a:latin typeface="Tahoma" panose="020B0604030504040204" pitchFamily="34" charset="0"/>
+              <a:ea typeface="Tahoma" panose="020B0604030504040204" pitchFamily="34" charset="0"/>
+              <a:cs typeface="Tahoma" panose="020B0604030504040204" pitchFamily="34" charset="0"/>
+            </a:endParaRPr>
+          </a:p>
+          <a:p>
+            <a:r>
+              <a:rPr lang="en-US" sz="1200" dirty="0">
+                <a:latin typeface="Tahoma" panose="020B0604030504040204" pitchFamily="34" charset="0"/>
+                <a:ea typeface="Tahoma" panose="020B0604030504040204" pitchFamily="34" charset="0"/>
+                <a:cs typeface="Tahoma" panose="020B0604030504040204" pitchFamily="34" charset="0"/>
+              </a:rPr>
+              <a:t>&lt;?</a:t>
+            </a:r>
+            <a:r>
+              <a:rPr lang="en-US" sz="1200" dirty="0" err="1">
+                <a:latin typeface="Tahoma" panose="020B0604030504040204" pitchFamily="34" charset="0"/>
+                <a:ea typeface="Tahoma" panose="020B0604030504040204" pitchFamily="34" charset="0"/>
+                <a:cs typeface="Tahoma" panose="020B0604030504040204" pitchFamily="34" charset="0"/>
+              </a:rPr>
+              <a:t>php</a:t>
+            </a:r>
+            <a:endParaRPr lang="en-US" sz="1200" dirty="0">
+              <a:latin typeface="Tahoma" panose="020B0604030504040204" pitchFamily="34" charset="0"/>
+              <a:ea typeface="Tahoma" panose="020B0604030504040204" pitchFamily="34" charset="0"/>
+              <a:cs typeface="Tahoma" panose="020B0604030504040204" pitchFamily="34" charset="0"/>
+            </a:endParaRPr>
+          </a:p>
+          <a:p>
+            <a:r>
+              <a:rPr lang="en-US" sz="1200" dirty="0">
+                <a:latin typeface="Tahoma" panose="020B0604030504040204" pitchFamily="34" charset="0"/>
+                <a:ea typeface="Tahoma" panose="020B0604030504040204" pitchFamily="34" charset="0"/>
+                <a:cs typeface="Tahoma" panose="020B0604030504040204" pitchFamily="34" charset="0"/>
+              </a:rPr>
+              <a:t>    $text1 = $_POST["text1"];</a:t>
+            </a:r>
+          </a:p>
+          <a:p>
+            <a:r>
+              <a:rPr lang="en-US" sz="1200" dirty="0">
+                <a:latin typeface="Tahoma" panose="020B0604030504040204" pitchFamily="34" charset="0"/>
+                <a:ea typeface="Tahoma" panose="020B0604030504040204" pitchFamily="34" charset="0"/>
+                <a:cs typeface="Tahoma" panose="020B0604030504040204" pitchFamily="34" charset="0"/>
+              </a:rPr>
+              <a:t>    $pass1 = $_POST["pass1"];</a:t>
+            </a:r>
+          </a:p>
+          <a:p>
+            <a:r>
+              <a:rPr lang="en-US" sz="1200" dirty="0">
+                <a:latin typeface="Tahoma" panose="020B0604030504040204" pitchFamily="34" charset="0"/>
+                <a:ea typeface="Tahoma" panose="020B0604030504040204" pitchFamily="34" charset="0"/>
+                <a:cs typeface="Tahoma" panose="020B0604030504040204" pitchFamily="34" charset="0"/>
+              </a:rPr>
+              <a:t>    $c1 = $_POST["c1"];</a:t>
+            </a:r>
+          </a:p>
+          <a:p>
+            <a:r>
+              <a:rPr lang="en-US" sz="1200" dirty="0">
+                <a:latin typeface="Tahoma" panose="020B0604030504040204" pitchFamily="34" charset="0"/>
+                <a:ea typeface="Tahoma" panose="020B0604030504040204" pitchFamily="34" charset="0"/>
+                <a:cs typeface="Tahoma" panose="020B0604030504040204" pitchFamily="34" charset="0"/>
+              </a:rPr>
+              <a:t>    $r1 = $_POST["r1"];</a:t>
+            </a:r>
+          </a:p>
+          <a:p>
+            <a:r>
+              <a:rPr lang="en-US" sz="1200" dirty="0">
+                <a:latin typeface="Tahoma" panose="020B0604030504040204" pitchFamily="34" charset="0"/>
+                <a:ea typeface="Tahoma" panose="020B0604030504040204" pitchFamily="34" charset="0"/>
+                <a:cs typeface="Tahoma" panose="020B0604030504040204" pitchFamily="34" charset="0"/>
+              </a:rPr>
+              <a:t>    $ta = $_POST["ta"];</a:t>
+            </a:r>
+          </a:p>
+          <a:p>
+            <a:r>
+              <a:rPr lang="en-US" sz="1200" dirty="0">
+                <a:latin typeface="Tahoma" panose="020B0604030504040204" pitchFamily="34" charset="0"/>
+                <a:ea typeface="Tahoma" panose="020B0604030504040204" pitchFamily="34" charset="0"/>
+                <a:cs typeface="Tahoma" panose="020B0604030504040204" pitchFamily="34" charset="0"/>
+              </a:rPr>
+              <a:t>    $</a:t>
+            </a:r>
+            <a:r>
+              <a:rPr lang="en-US" sz="1200" dirty="0" err="1">
+                <a:latin typeface="Tahoma" panose="020B0604030504040204" pitchFamily="34" charset="0"/>
+                <a:ea typeface="Tahoma" panose="020B0604030504040204" pitchFamily="34" charset="0"/>
+                <a:cs typeface="Tahoma" panose="020B0604030504040204" pitchFamily="34" charset="0"/>
+              </a:rPr>
+              <a:t>sel</a:t>
+            </a:r>
+            <a:r>
+              <a:rPr lang="en-US" sz="1200" dirty="0">
+                <a:latin typeface="Tahoma" panose="020B0604030504040204" pitchFamily="34" charset="0"/>
+                <a:ea typeface="Tahoma" panose="020B0604030504040204" pitchFamily="34" charset="0"/>
+                <a:cs typeface="Tahoma" panose="020B0604030504040204" pitchFamily="34" charset="0"/>
+              </a:rPr>
+              <a:t> = $_POST["</a:t>
+            </a:r>
+            <a:r>
+              <a:rPr lang="en-US" sz="1200" dirty="0" err="1">
+                <a:latin typeface="Tahoma" panose="020B0604030504040204" pitchFamily="34" charset="0"/>
+                <a:ea typeface="Tahoma" panose="020B0604030504040204" pitchFamily="34" charset="0"/>
+                <a:cs typeface="Tahoma" panose="020B0604030504040204" pitchFamily="34" charset="0"/>
+              </a:rPr>
+              <a:t>sel</a:t>
+            </a:r>
+            <a:r>
+              <a:rPr lang="en-US" sz="1200" dirty="0">
+                <a:latin typeface="Tahoma" panose="020B0604030504040204" pitchFamily="34" charset="0"/>
+                <a:ea typeface="Tahoma" panose="020B0604030504040204" pitchFamily="34" charset="0"/>
+                <a:cs typeface="Tahoma" panose="020B0604030504040204" pitchFamily="34" charset="0"/>
+              </a:rPr>
+              <a:t>"];</a:t>
+            </a:r>
+          </a:p>
+          <a:p>
+            <a:r>
+              <a:rPr lang="en-US" sz="1200" dirty="0">
+                <a:latin typeface="Tahoma" panose="020B0604030504040204" pitchFamily="34" charset="0"/>
+                <a:ea typeface="Tahoma" panose="020B0604030504040204" pitchFamily="34" charset="0"/>
+                <a:cs typeface="Tahoma" panose="020B0604030504040204" pitchFamily="34" charset="0"/>
+              </a:rPr>
+              <a:t>?&gt;</a:t>
+            </a:r>
+          </a:p>
+          <a:p>
+            <a:endParaRPr lang="en-US" sz="1200" dirty="0">
+              <a:latin typeface="Tahoma" panose="020B0604030504040204" pitchFamily="34" charset="0"/>
+              <a:ea typeface="Tahoma" panose="020B0604030504040204" pitchFamily="34" charset="0"/>
+              <a:cs typeface="Tahoma" panose="020B0604030504040204" pitchFamily="34" charset="0"/>
+            </a:endParaRPr>
+          </a:p>
+          <a:p>
+            <a:r>
+              <a:rPr lang="en-US" sz="1200" dirty="0">
+                <a:latin typeface="Tahoma" panose="020B0604030504040204" pitchFamily="34" charset="0"/>
+                <a:ea typeface="Tahoma" panose="020B0604030504040204" pitchFamily="34" charset="0"/>
+                <a:cs typeface="Tahoma" panose="020B0604030504040204" pitchFamily="34" charset="0"/>
+              </a:rPr>
+              <a:t>text1=&lt;?</a:t>
+            </a:r>
+            <a:r>
+              <a:rPr lang="en-US" sz="1200" dirty="0" err="1">
+                <a:latin typeface="Tahoma" panose="020B0604030504040204" pitchFamily="34" charset="0"/>
+                <a:ea typeface="Tahoma" panose="020B0604030504040204" pitchFamily="34" charset="0"/>
+                <a:cs typeface="Tahoma" panose="020B0604030504040204" pitchFamily="34" charset="0"/>
+              </a:rPr>
+              <a:t>php</a:t>
+            </a:r>
+            <a:r>
+              <a:rPr lang="en-US" sz="1200" dirty="0">
+                <a:latin typeface="Tahoma" panose="020B0604030504040204" pitchFamily="34" charset="0"/>
+                <a:ea typeface="Tahoma" panose="020B0604030504040204" pitchFamily="34" charset="0"/>
+                <a:cs typeface="Tahoma" panose="020B0604030504040204" pitchFamily="34" charset="0"/>
+              </a:rPr>
+              <a:t> print $text1; ?&gt;&lt;</a:t>
+            </a:r>
+            <a:r>
+              <a:rPr lang="en-US" sz="1200" dirty="0" err="1">
+                <a:latin typeface="Tahoma" panose="020B0604030504040204" pitchFamily="34" charset="0"/>
+                <a:ea typeface="Tahoma" panose="020B0604030504040204" pitchFamily="34" charset="0"/>
+                <a:cs typeface="Tahoma" panose="020B0604030504040204" pitchFamily="34" charset="0"/>
+              </a:rPr>
+              <a:t>br</a:t>
+            </a:r>
+            <a:r>
+              <a:rPr lang="en-US" sz="1200" dirty="0">
+                <a:latin typeface="Tahoma" panose="020B0604030504040204" pitchFamily="34" charset="0"/>
+                <a:ea typeface="Tahoma" panose="020B0604030504040204" pitchFamily="34" charset="0"/>
+                <a:cs typeface="Tahoma" panose="020B0604030504040204" pitchFamily="34" charset="0"/>
+              </a:rPr>
+              <a:t>&gt;</a:t>
+            </a:r>
+          </a:p>
+          <a:p>
+            <a:r>
+              <a:rPr lang="en-US" sz="1200" dirty="0">
+                <a:latin typeface="Tahoma" panose="020B0604030504040204" pitchFamily="34" charset="0"/>
+                <a:ea typeface="Tahoma" panose="020B0604030504040204" pitchFamily="34" charset="0"/>
+                <a:cs typeface="Tahoma" panose="020B0604030504040204" pitchFamily="34" charset="0"/>
+              </a:rPr>
+              <a:t>pass1=&lt;?</a:t>
+            </a:r>
+            <a:r>
+              <a:rPr lang="en-US" sz="1200" dirty="0" err="1">
+                <a:latin typeface="Tahoma" panose="020B0604030504040204" pitchFamily="34" charset="0"/>
+                <a:ea typeface="Tahoma" panose="020B0604030504040204" pitchFamily="34" charset="0"/>
+                <a:cs typeface="Tahoma" panose="020B0604030504040204" pitchFamily="34" charset="0"/>
+              </a:rPr>
+              <a:t>php</a:t>
+            </a:r>
+            <a:r>
+              <a:rPr lang="en-US" sz="1200" dirty="0">
+                <a:latin typeface="Tahoma" panose="020B0604030504040204" pitchFamily="34" charset="0"/>
+                <a:ea typeface="Tahoma" panose="020B0604030504040204" pitchFamily="34" charset="0"/>
+                <a:cs typeface="Tahoma" panose="020B0604030504040204" pitchFamily="34" charset="0"/>
+              </a:rPr>
+              <a:t> print $pass1; ?&gt;&lt;</a:t>
+            </a:r>
+            <a:r>
+              <a:rPr lang="en-US" sz="1200" dirty="0" err="1">
+                <a:latin typeface="Tahoma" panose="020B0604030504040204" pitchFamily="34" charset="0"/>
+                <a:ea typeface="Tahoma" panose="020B0604030504040204" pitchFamily="34" charset="0"/>
+                <a:cs typeface="Tahoma" panose="020B0604030504040204" pitchFamily="34" charset="0"/>
+              </a:rPr>
+              <a:t>br</a:t>
+            </a:r>
+            <a:r>
+              <a:rPr lang="en-US" sz="1200" dirty="0">
+                <a:latin typeface="Tahoma" panose="020B0604030504040204" pitchFamily="34" charset="0"/>
+                <a:ea typeface="Tahoma" panose="020B0604030504040204" pitchFamily="34" charset="0"/>
+                <a:cs typeface="Tahoma" panose="020B0604030504040204" pitchFamily="34" charset="0"/>
+              </a:rPr>
+              <a:t>&gt;</a:t>
+            </a:r>
+          </a:p>
+          <a:p>
+            <a:r>
+              <a:rPr lang="en-US" sz="1200" dirty="0">
+                <a:latin typeface="Tahoma" panose="020B0604030504040204" pitchFamily="34" charset="0"/>
+                <a:ea typeface="Tahoma" panose="020B0604030504040204" pitchFamily="34" charset="0"/>
+                <a:cs typeface="Tahoma" panose="020B0604030504040204" pitchFamily="34" charset="0"/>
+              </a:rPr>
+              <a:t>c1=&lt;?</a:t>
+            </a:r>
+            <a:r>
+              <a:rPr lang="en-US" sz="1200" dirty="0" err="1">
+                <a:latin typeface="Tahoma" panose="020B0604030504040204" pitchFamily="34" charset="0"/>
+                <a:ea typeface="Tahoma" panose="020B0604030504040204" pitchFamily="34" charset="0"/>
+                <a:cs typeface="Tahoma" panose="020B0604030504040204" pitchFamily="34" charset="0"/>
+              </a:rPr>
+              <a:t>php</a:t>
+            </a:r>
+            <a:r>
+              <a:rPr lang="en-US" sz="1200" dirty="0">
+                <a:latin typeface="Tahoma" panose="020B0604030504040204" pitchFamily="34" charset="0"/>
+                <a:ea typeface="Tahoma" panose="020B0604030504040204" pitchFamily="34" charset="0"/>
+                <a:cs typeface="Tahoma" panose="020B0604030504040204" pitchFamily="34" charset="0"/>
+              </a:rPr>
+              <a:t> print $c1; ?&gt;&lt;</a:t>
+            </a:r>
+            <a:r>
+              <a:rPr lang="en-US" sz="1200" dirty="0" err="1">
+                <a:latin typeface="Tahoma" panose="020B0604030504040204" pitchFamily="34" charset="0"/>
+                <a:ea typeface="Tahoma" panose="020B0604030504040204" pitchFamily="34" charset="0"/>
+                <a:cs typeface="Tahoma" panose="020B0604030504040204" pitchFamily="34" charset="0"/>
+              </a:rPr>
+              <a:t>br</a:t>
+            </a:r>
+            <a:r>
+              <a:rPr lang="en-US" sz="1200" dirty="0">
+                <a:latin typeface="Tahoma" panose="020B0604030504040204" pitchFamily="34" charset="0"/>
+                <a:ea typeface="Tahoma" panose="020B0604030504040204" pitchFamily="34" charset="0"/>
+                <a:cs typeface="Tahoma" panose="020B0604030504040204" pitchFamily="34" charset="0"/>
+              </a:rPr>
+              <a:t>&gt;</a:t>
+            </a:r>
+          </a:p>
+          <a:p>
+            <a:r>
+              <a:rPr lang="en-US" sz="1200" dirty="0">
+                <a:latin typeface="Tahoma" panose="020B0604030504040204" pitchFamily="34" charset="0"/>
+                <a:ea typeface="Tahoma" panose="020B0604030504040204" pitchFamily="34" charset="0"/>
+                <a:cs typeface="Tahoma" panose="020B0604030504040204" pitchFamily="34" charset="0"/>
+              </a:rPr>
+              <a:t>r1=&lt;?</a:t>
+            </a:r>
+            <a:r>
+              <a:rPr lang="en-US" sz="1200" dirty="0" err="1">
+                <a:latin typeface="Tahoma" panose="020B0604030504040204" pitchFamily="34" charset="0"/>
+                <a:ea typeface="Tahoma" panose="020B0604030504040204" pitchFamily="34" charset="0"/>
+                <a:cs typeface="Tahoma" panose="020B0604030504040204" pitchFamily="34" charset="0"/>
+              </a:rPr>
+              <a:t>php</a:t>
+            </a:r>
+            <a:r>
+              <a:rPr lang="en-US" sz="1200" dirty="0">
+                <a:latin typeface="Tahoma" panose="020B0604030504040204" pitchFamily="34" charset="0"/>
+                <a:ea typeface="Tahoma" panose="020B0604030504040204" pitchFamily="34" charset="0"/>
+                <a:cs typeface="Tahoma" panose="020B0604030504040204" pitchFamily="34" charset="0"/>
+              </a:rPr>
+              <a:t> print $r1; ?&gt;&lt;</a:t>
+            </a:r>
+            <a:r>
+              <a:rPr lang="en-US" sz="1200" dirty="0" err="1">
+                <a:latin typeface="Tahoma" panose="020B0604030504040204" pitchFamily="34" charset="0"/>
+                <a:ea typeface="Tahoma" panose="020B0604030504040204" pitchFamily="34" charset="0"/>
+                <a:cs typeface="Tahoma" panose="020B0604030504040204" pitchFamily="34" charset="0"/>
+              </a:rPr>
+              <a:t>br</a:t>
+            </a:r>
+            <a:r>
+              <a:rPr lang="en-US" sz="1200" dirty="0">
+                <a:latin typeface="Tahoma" panose="020B0604030504040204" pitchFamily="34" charset="0"/>
+                <a:ea typeface="Tahoma" panose="020B0604030504040204" pitchFamily="34" charset="0"/>
+                <a:cs typeface="Tahoma" panose="020B0604030504040204" pitchFamily="34" charset="0"/>
+              </a:rPr>
+              <a:t>&gt;</a:t>
+            </a:r>
+          </a:p>
+          <a:p>
+            <a:r>
+              <a:rPr lang="en-US" sz="1200" dirty="0">
+                <a:latin typeface="Tahoma" panose="020B0604030504040204" pitchFamily="34" charset="0"/>
+                <a:ea typeface="Tahoma" panose="020B0604030504040204" pitchFamily="34" charset="0"/>
+                <a:cs typeface="Tahoma" panose="020B0604030504040204" pitchFamily="34" charset="0"/>
+              </a:rPr>
+              <a:t>ta=&lt;?</a:t>
+            </a:r>
+            <a:r>
+              <a:rPr lang="en-US" sz="1200" dirty="0" err="1">
+                <a:latin typeface="Tahoma" panose="020B0604030504040204" pitchFamily="34" charset="0"/>
+                <a:ea typeface="Tahoma" panose="020B0604030504040204" pitchFamily="34" charset="0"/>
+                <a:cs typeface="Tahoma" panose="020B0604030504040204" pitchFamily="34" charset="0"/>
+              </a:rPr>
+              <a:t>php</a:t>
+            </a:r>
+            <a:r>
+              <a:rPr lang="en-US" sz="1200" dirty="0">
+                <a:latin typeface="Tahoma" panose="020B0604030504040204" pitchFamily="34" charset="0"/>
+                <a:ea typeface="Tahoma" panose="020B0604030504040204" pitchFamily="34" charset="0"/>
+                <a:cs typeface="Tahoma" panose="020B0604030504040204" pitchFamily="34" charset="0"/>
+              </a:rPr>
+              <a:t> print $ta; ?&gt;&lt;</a:t>
+            </a:r>
+            <a:r>
+              <a:rPr lang="en-US" sz="1200" dirty="0" err="1">
+                <a:latin typeface="Tahoma" panose="020B0604030504040204" pitchFamily="34" charset="0"/>
+                <a:ea typeface="Tahoma" panose="020B0604030504040204" pitchFamily="34" charset="0"/>
+                <a:cs typeface="Tahoma" panose="020B0604030504040204" pitchFamily="34" charset="0"/>
+              </a:rPr>
+              <a:t>br</a:t>
+            </a:r>
+            <a:r>
+              <a:rPr lang="en-US" sz="1200" dirty="0">
+                <a:latin typeface="Tahoma" panose="020B0604030504040204" pitchFamily="34" charset="0"/>
+                <a:ea typeface="Tahoma" panose="020B0604030504040204" pitchFamily="34" charset="0"/>
+                <a:cs typeface="Tahoma" panose="020B0604030504040204" pitchFamily="34" charset="0"/>
+              </a:rPr>
+              <a:t>&gt;</a:t>
+            </a:r>
+          </a:p>
+          <a:p>
+            <a:r>
+              <a:rPr lang="en-US" sz="1200" dirty="0" err="1">
+                <a:latin typeface="Tahoma" panose="020B0604030504040204" pitchFamily="34" charset="0"/>
+                <a:ea typeface="Tahoma" panose="020B0604030504040204" pitchFamily="34" charset="0"/>
+                <a:cs typeface="Tahoma" panose="020B0604030504040204" pitchFamily="34" charset="0"/>
+              </a:rPr>
+              <a:t>sel</a:t>
+            </a:r>
+            <a:r>
+              <a:rPr lang="en-US" sz="1200" dirty="0">
+                <a:latin typeface="Tahoma" panose="020B0604030504040204" pitchFamily="34" charset="0"/>
+                <a:ea typeface="Tahoma" panose="020B0604030504040204" pitchFamily="34" charset="0"/>
+                <a:cs typeface="Tahoma" panose="020B0604030504040204" pitchFamily="34" charset="0"/>
+              </a:rPr>
+              <a:t>=&lt;?</a:t>
+            </a:r>
+            <a:r>
+              <a:rPr lang="en-US" sz="1200" dirty="0" err="1">
+                <a:latin typeface="Tahoma" panose="020B0604030504040204" pitchFamily="34" charset="0"/>
+                <a:ea typeface="Tahoma" panose="020B0604030504040204" pitchFamily="34" charset="0"/>
+                <a:cs typeface="Tahoma" panose="020B0604030504040204" pitchFamily="34" charset="0"/>
+              </a:rPr>
+              <a:t>php</a:t>
+            </a:r>
+            <a:r>
+              <a:rPr lang="en-US" sz="1200" dirty="0">
+                <a:latin typeface="Tahoma" panose="020B0604030504040204" pitchFamily="34" charset="0"/>
+                <a:ea typeface="Tahoma" panose="020B0604030504040204" pitchFamily="34" charset="0"/>
+                <a:cs typeface="Tahoma" panose="020B0604030504040204" pitchFamily="34" charset="0"/>
+              </a:rPr>
+              <a:t> print $</a:t>
+            </a:r>
+            <a:r>
+              <a:rPr lang="en-US" sz="1200" dirty="0" err="1">
+                <a:latin typeface="Tahoma" panose="020B0604030504040204" pitchFamily="34" charset="0"/>
+                <a:ea typeface="Tahoma" panose="020B0604030504040204" pitchFamily="34" charset="0"/>
+                <a:cs typeface="Tahoma" panose="020B0604030504040204" pitchFamily="34" charset="0"/>
+              </a:rPr>
+              <a:t>sel</a:t>
+            </a:r>
+            <a:r>
+              <a:rPr lang="en-US" sz="1200" dirty="0">
+                <a:latin typeface="Tahoma" panose="020B0604030504040204" pitchFamily="34" charset="0"/>
+                <a:ea typeface="Tahoma" panose="020B0604030504040204" pitchFamily="34" charset="0"/>
+                <a:cs typeface="Tahoma" panose="020B0604030504040204" pitchFamily="34" charset="0"/>
+              </a:rPr>
+              <a:t>; ?&gt;&lt;</a:t>
+            </a:r>
+            <a:r>
+              <a:rPr lang="en-US" sz="1200" dirty="0" err="1">
+                <a:latin typeface="Tahoma" panose="020B0604030504040204" pitchFamily="34" charset="0"/>
+                <a:ea typeface="Tahoma" panose="020B0604030504040204" pitchFamily="34" charset="0"/>
+                <a:cs typeface="Tahoma" panose="020B0604030504040204" pitchFamily="34" charset="0"/>
+              </a:rPr>
+              <a:t>br</a:t>
+            </a:r>
+            <a:r>
+              <a:rPr lang="en-US" sz="1200" dirty="0">
+                <a:latin typeface="Tahoma" panose="020B0604030504040204" pitchFamily="34" charset="0"/>
+                <a:ea typeface="Tahoma" panose="020B0604030504040204" pitchFamily="34" charset="0"/>
+                <a:cs typeface="Tahoma" panose="020B0604030504040204" pitchFamily="34" charset="0"/>
+              </a:rPr>
+              <a:t>&gt;</a:t>
+            </a:r>
+          </a:p>
+          <a:p>
+            <a:endParaRPr lang="en-US" sz="1200" dirty="0">
+              <a:latin typeface="Tahoma" panose="020B0604030504040204" pitchFamily="34" charset="0"/>
+              <a:ea typeface="Tahoma" panose="020B0604030504040204" pitchFamily="34" charset="0"/>
+              <a:cs typeface="Tahoma" panose="020B0604030504040204" pitchFamily="34" charset="0"/>
+            </a:endParaRPr>
+          </a:p>
+          <a:p>
+            <a:r>
+              <a:rPr lang="en-US" sz="1200" dirty="0">
+                <a:latin typeface="Tahoma" panose="020B0604030504040204" pitchFamily="34" charset="0"/>
+                <a:ea typeface="Tahoma" panose="020B0604030504040204" pitchFamily="34" charset="0"/>
+                <a:cs typeface="Tahoma" panose="020B0604030504040204" pitchFamily="34" charset="0"/>
+              </a:rPr>
+              <a:t>&lt;/body&gt;</a:t>
+            </a:r>
+          </a:p>
+          <a:p>
+            <a:r>
+              <a:rPr lang="en-US" sz="1200" dirty="0">
+                <a:latin typeface="Tahoma" panose="020B0604030504040204" pitchFamily="34" charset="0"/>
+                <a:ea typeface="Tahoma" panose="020B0604030504040204" pitchFamily="34" charset="0"/>
+                <a:cs typeface="Tahoma" panose="020B0604030504040204" pitchFamily="34" charset="0"/>
+              </a:rPr>
+              <a:t>&lt;/html&gt;</a:t>
+            </a:r>
+          </a:p>
+        </p:txBody>
+      </p:sp>
     </p:spTree>
     <p:extLst>
       <p:ext uri="{BB962C8B-B14F-4D97-AF65-F5344CB8AC3E}">
@@ -4792,32 +5899,4 @@
     </a:ext>
   </a:extLst>
 </a:theme>
-</file>
-
-<file path=ppt/webextensions/webextension1.xml><?xml version="1.0" encoding="utf-8"?>
-<we:webextension xmlns:we="http://schemas.microsoft.com/office/webextensions/webextension/2010/11" id="{4B7C5246-1C33-4483-BFAF-081BFB40B5BA}" frozen="1">
-  <we:reference id="wa104379263" version="1.0.0.1" store="en-US" storeType="OMEX"/>
-  <we:alternateReferences>
-    <we:reference id="wa104379263" version="1.0.0.1" store="wa104379263" storeType="OMEX"/>
-  </we:alternateReferences>
-  <we:properties>
-    <we:property name="config" value="{&quot;display_lang&quot;:&quot;en&quot;,&quot;display_font&quot;:&quot;Consolas&quot;,&quot;syntax_color&quot;:{&quot;Reserved words&quot;:&quot;#0000ff&quot;,&quot;PHP core functions&quot;:&quot;#ff0000&quot;,&quot;PREFIX3&quot;:&quot;#008080&quot;,&quot;Namespaces&quot;:&quot;#808000&quot;,&quot;Line comment&quot;:&quot;#008000&quot;,&quot;Line comment 2&quot;:&quot;#008000&quot;,&quot;Block comment&quot;:&quot;#008000&quot;,&quot;Quotation&quot;:&quot;#FF00FF&quot;,&quot;Quotation 2&quot;:&quot;#FF00FF&quot;,&quot;Number&quot;:&quot;#800080&quot;},&quot;old_syntax_color&quot;:{&quot;Reserved words&quot;:&quot;#0000FF&quot;,&quot;PHP core functions&quot;:&quot;#FF0000&quot;,&quot;PREFIX3&quot;:&quot;#008080&quot;,&quot;Namespaces&quot;:&quot;#808000&quot;,&quot;Line comment&quot;:&quot;#008000&quot;,&quot;Line comment 2&quot;:&quot;#008000&quot;,&quot;Block comment&quot;:&quot;#008000&quot;,&quot;Quotation&quot;:&quot;#FF00FF&quot;,&quot;Quotation 2&quot;:&quot;#FF00FF&quot;,&quot;Number&quot;:&quot;#800080&quot;},&quot;show_line_number&quot;:true,&quot;code_lang&quot;:&quot;php&quot;,&quot;code&quot;:&quot;&lt;!doctype html&gt;\n&lt;html&gt;\n&lt;head&gt;\n    &lt;meta charset=\&quot;utf-8\&quot;&gt;\n&lt;/head&gt;\n&lt;body&gt;\n\n&lt;form action=\&quot;lesson03_receive.php\&quot; method=\&quot;POST\&quot;&gt;\nNUMBER1&lt;input type=\&quot;text\&quot; name=\&quot;num1\&quot; value=\&quot;\&quot;&gt;&lt;br&gt;\nNUMBER2&lt;input type=\&quot;text\&quot; name=\&quot;num2\&quot; value=\&quot;\&quot;&gt;&lt;br&gt;\n&lt;input type=\&quot;submit\&quot; value=\&quot;next\&quot;&gt;\n&lt;/form&gt;\n\n&lt;/body&gt;\n&lt;/html&gt;\n&quot;,&quot;ctags&quot;:{}}"/>
-  </we:properties>
-  <we:bindings/>
-  <we:snapshot xmlns:r="http://schemas.openxmlformats.org/officeDocument/2006/relationships" r:embed="rId1"/>
-</we:webextension>
-</file>
-
-<file path=ppt/webextensions/webextension2.xml><?xml version="1.0" encoding="utf-8"?>
-<we:webextension xmlns:we="http://schemas.microsoft.com/office/webextensions/webextension/2010/11" id="{4B7C5246-1C33-4483-BFAF-081BFB40B5BA}" frozen="1">
-  <we:reference id="wa104379263" version="1.0.0.1" store="en-US" storeType="OMEX"/>
-  <we:alternateReferences>
-    <we:reference id="wa104379263" version="1.0.0.1" store="wa104379263" storeType="OMEX"/>
-  </we:alternateReferences>
-  <we:properties>
-    <we:property name="config" value="{&quot;display_lang&quot;:&quot;en&quot;,&quot;display_font&quot;:&quot;Consolas&quot;,&quot;syntax_color&quot;:{&quot;Reserved words&quot;:&quot;#0000ff&quot;,&quot;PHP core functions&quot;:&quot;#ff0000&quot;,&quot;PREFIX3&quot;:&quot;#008080&quot;,&quot;Namespaces&quot;:&quot;#808000&quot;,&quot;Line comment&quot;:&quot;#008000&quot;,&quot;Line comment 2&quot;:&quot;#008000&quot;,&quot;Block comment&quot;:&quot;#008000&quot;,&quot;Quotation&quot;:&quot;#FF00FF&quot;,&quot;Quotation 2&quot;:&quot;#FF00FF&quot;,&quot;Number&quot;:&quot;#800080&quot;},&quot;old_syntax_color&quot;:{&quot;Reserved words&quot;:&quot;#0000FF&quot;,&quot;PHP core functions&quot;:&quot;#FF0000&quot;,&quot;PREFIX3&quot;:&quot;#008080&quot;,&quot;Namespaces&quot;:&quot;#808000&quot;,&quot;Line comment&quot;:&quot;#008000&quot;,&quot;Line comment 2&quot;:&quot;#008000&quot;,&quot;Block comment&quot;:&quot;#008000&quot;,&quot;Quotation&quot;:&quot;#FF00FF&quot;,&quot;Quotation 2&quot;:&quot;#FF00FF&quot;,&quot;Number&quot;:&quot;#800080&quot;},&quot;show_line_number&quot;:true,&quot;code_lang&quot;:&quot;php&quot;,&quot;code&quot;:&quot;&lt;!doctype html&gt;\n&lt;html&gt;\n&lt;head&gt;\n    &lt;meta charset=\&quot;utf-8\&quot;&gt;\n&lt;/head&gt;\n&lt;body&gt;\n\n&lt;?php\n    $num1 = $_POST[\&quot;num1\&quot;];\n    $num2 = $_POST[\&quot;num2\&quot;];\n?&gt;\n\nnum1 = &lt;?php print $num1 ?&gt;&lt;br&gt;\nnum2 = &lt;?php print $num2 ?&gt;&lt;br&gt;\nnum1+num2 = &lt;?php print $num1 + $num2 ?&gt;&lt;br&gt;\nnum1*num2 = &lt;?php print $num1 * $num2 ?&gt;&lt;br&gt;\n\n&lt;/body&gt;\n&lt;/html&gt;\n\n\n&quot;,&quot;ctags&quot;:{&quot;num1&quot;:[{&quot;linenum&quot;:&quot;9&quot;,&quot;signature&quot;:&quot;$num1 = $_POST[\&quot;num1\&quot;];&quot;}],&quot;num2&quot;:[{&quot;linenum&quot;:&quot;10&quot;,&quot;signature&quot;:&quot;$num2 = $_POST[\&quot;num2\&quot;];&quot;}]}}"/>
-  </we:properties>
-  <we:bindings/>
-  <we:snapshot xmlns:r="http://schemas.openxmlformats.org/officeDocument/2006/relationships" r:embed="rId1"/>
-</we:webextension>
 </file>